--- a/roadmap.pptx
+++ b/roadmap.pptx
@@ -5,17 +5,11 @@
     <p:sldMasterId id="2147483705" r:id="rId1"/>
   </p:sldMasterIdLst>
   <p:notesMasterIdLst>
-    <p:notesMasterId r:id="rId10"/>
+    <p:notesMasterId r:id="rId4"/>
   </p:notesMasterIdLst>
   <p:sldIdLst>
     <p:sldId id="256" r:id="rId2"/>
     <p:sldId id="257" r:id="rId3"/>
-    <p:sldId id="258" r:id="rId4"/>
-    <p:sldId id="259" r:id="rId5"/>
-    <p:sldId id="260" r:id="rId6"/>
-    <p:sldId id="262" r:id="rId7"/>
-    <p:sldId id="263" r:id="rId8"/>
-    <p:sldId id="261" r:id="rId9"/>
   </p:sldIdLst>
   <p:sldSz cx="12192000" cy="6858000"/>
   <p:notesSz cx="6858000" cy="9144000"/>
@@ -116,7 +110,18 @@
   </p:defaultTextStyle>
   <p:extLst>
     <p:ext uri="{EFAFB233-063F-42B5-8137-9DF3F51BA10A}">
-      <p15:sldGuideLst xmlns:p15="http://schemas.microsoft.com/office/powerpoint/2012/main" xmlns=""/>
+      <p15:sldGuideLst xmlns:p15="http://schemas.microsoft.com/office/powerpoint/2012/main">
+        <p15:guide id="1" orient="horz" pos="2160">
+          <p15:clr>
+            <a:srgbClr val="A4A3A4"/>
+          </p15:clr>
+        </p15:guide>
+        <p15:guide id="2" pos="3840">
+          <p15:clr>
+            <a:srgbClr val="A4A3A4"/>
+          </p15:clr>
+        </p15:guide>
+      </p15:sldGuideLst>
     </p:ext>
   </p:extLst>
 </p:presentation>
@@ -204,7 +209,7 @@
           <a:p>
             <a:fld id="{D4E5F68D-220C-4FE1-AB55-4B69C76E02B6}" type="datetimeFigureOut">
               <a:rPr lang="en-US" smtClean="0"/>
-              <a:t>6/22/2016</a:t>
+              <a:t>6/26/2016</a:t>
             </a:fld>
             <a:endParaRPr lang="en-US"/>
           </a:p>
@@ -701,7 +706,7 @@
             <a:fld id="{B61BEF0D-F0BB-DE4B-95CE-6DB70DBA9567}" type="datetimeFigureOut">
               <a:rPr lang="en-US" smtClean="0"/>
               <a:pPr/>
-              <a:t>6/22/2016</a:t>
+              <a:t>6/26/2016</a:t>
             </a:fld>
             <a:endParaRPr lang="en-US" dirty="0"/>
           </a:p>
@@ -1037,7 +1042,7 @@
             <a:fld id="{B61BEF0D-F0BB-DE4B-95CE-6DB70DBA9567}" type="datetimeFigureOut">
               <a:rPr lang="en-US" smtClean="0"/>
               <a:pPr/>
-              <a:t>6/22/2016</a:t>
+              <a:t>6/26/2016</a:t>
             </a:fld>
             <a:endParaRPr lang="en-US" dirty="0"/>
           </a:p>
@@ -1317,7 +1322,7 @@
             <a:fld id="{B61BEF0D-F0BB-DE4B-95CE-6DB70DBA9567}" type="datetimeFigureOut">
               <a:rPr lang="en-US" smtClean="0"/>
               <a:pPr/>
-              <a:t>6/22/2016</a:t>
+              <a:t>6/26/2016</a:t>
             </a:fld>
             <a:endParaRPr lang="en-US" dirty="0"/>
           </a:p>
@@ -1887,7 +1892,7 @@
             <a:fld id="{B61BEF0D-F0BB-DE4B-95CE-6DB70DBA9567}" type="datetimeFigureOut">
               <a:rPr lang="en-US" smtClean="0"/>
               <a:pPr/>
-              <a:t>6/22/2016</a:t>
+              <a:t>6/26/2016</a:t>
             </a:fld>
             <a:endParaRPr lang="en-US" dirty="0"/>
           </a:p>
@@ -2167,7 +2172,7 @@
             <a:fld id="{B61BEF0D-F0BB-DE4B-95CE-6DB70DBA9567}" type="datetimeFigureOut">
               <a:rPr lang="en-US" smtClean="0"/>
               <a:pPr/>
-              <a:t>6/22/2016</a:t>
+              <a:t>6/26/2016</a:t>
             </a:fld>
             <a:endParaRPr lang="en-US" dirty="0"/>
           </a:p>
@@ -2731,7 +2736,7 @@
             <a:fld id="{B61BEF0D-F0BB-DE4B-95CE-6DB70DBA9567}" type="datetimeFigureOut">
               <a:rPr lang="en-US" smtClean="0"/>
               <a:pPr/>
-              <a:t>6/22/2016</a:t>
+              <a:t>6/26/2016</a:t>
             </a:fld>
             <a:endParaRPr lang="en-US" dirty="0"/>
           </a:p>
@@ -3060,7 +3065,7 @@
             <a:fld id="{B61BEF0D-F0BB-DE4B-95CE-6DB70DBA9567}" type="datetimeFigureOut">
               <a:rPr lang="en-US" smtClean="0"/>
               <a:pPr/>
-              <a:t>6/22/2016</a:t>
+              <a:t>6/26/2016</a:t>
             </a:fld>
             <a:endParaRPr lang="en-US" dirty="0"/>
           </a:p>
@@ -3267,7 +3272,7 @@
             <a:fld id="{B61BEF0D-F0BB-DE4B-95CE-6DB70DBA9567}" type="datetimeFigureOut">
               <a:rPr lang="en-US" smtClean="0"/>
               <a:pPr/>
-              <a:t>6/22/2016</a:t>
+              <a:t>6/26/2016</a:t>
             </a:fld>
             <a:endParaRPr lang="en-US" dirty="0"/>
           </a:p>
@@ -3479,7 +3484,7 @@
             <a:fld id="{B61BEF0D-F0BB-DE4B-95CE-6DB70DBA9567}" type="datetimeFigureOut">
               <a:rPr lang="en-US" smtClean="0"/>
               <a:pPr/>
-              <a:t>6/22/2016</a:t>
+              <a:t>6/26/2016</a:t>
             </a:fld>
             <a:endParaRPr lang="en-US" dirty="0"/>
           </a:p>
@@ -3684,7 +3689,7 @@
             <a:fld id="{B61BEF0D-F0BB-DE4B-95CE-6DB70DBA9567}" type="datetimeFigureOut">
               <a:rPr lang="en-US" smtClean="0"/>
               <a:pPr/>
-              <a:t>6/22/2016</a:t>
+              <a:t>6/26/2016</a:t>
             </a:fld>
             <a:endParaRPr lang="en-US" dirty="0"/>
           </a:p>
@@ -3962,7 +3967,7 @@
             <a:fld id="{B61BEF0D-F0BB-DE4B-95CE-6DB70DBA9567}" type="datetimeFigureOut">
               <a:rPr lang="en-US" smtClean="0"/>
               <a:pPr/>
-              <a:t>6/22/2016</a:t>
+              <a:t>6/26/2016</a:t>
             </a:fld>
             <a:endParaRPr lang="en-US" dirty="0"/>
           </a:p>
@@ -4233,7 +4238,7 @@
             <a:fld id="{B61BEF0D-F0BB-DE4B-95CE-6DB70DBA9567}" type="datetimeFigureOut">
               <a:rPr lang="en-US" smtClean="0"/>
               <a:pPr/>
-              <a:t>6/22/2016</a:t>
+              <a:t>6/26/2016</a:t>
             </a:fld>
             <a:endParaRPr lang="en-US" dirty="0"/>
           </a:p>
@@ -4608,7 +4613,7 @@
             <a:fld id="{B61BEF0D-F0BB-DE4B-95CE-6DB70DBA9567}" type="datetimeFigureOut">
               <a:rPr lang="en-US" smtClean="0"/>
               <a:pPr/>
-              <a:t>6/22/2016</a:t>
+              <a:t>6/26/2016</a:t>
             </a:fld>
             <a:endParaRPr lang="en-US" dirty="0"/>
           </a:p>
@@ -4761,7 +4766,7 @@
             <a:fld id="{B61BEF0D-F0BB-DE4B-95CE-6DB70DBA9567}" type="datetimeFigureOut">
               <a:rPr lang="en-US" smtClean="0"/>
               <a:pPr/>
-              <a:t>6/22/2016</a:t>
+              <a:t>6/26/2016</a:t>
             </a:fld>
             <a:endParaRPr lang="en-US" dirty="0"/>
           </a:p>
@@ -4888,7 +4893,7 @@
             <a:fld id="{B61BEF0D-F0BB-DE4B-95CE-6DB70DBA9567}" type="datetimeFigureOut">
               <a:rPr lang="en-US" smtClean="0"/>
               <a:pPr/>
-              <a:t>6/22/2016</a:t>
+              <a:t>6/26/2016</a:t>
             </a:fld>
             <a:endParaRPr lang="en-US" dirty="0"/>
           </a:p>
@@ -5175,7 +5180,7 @@
             <a:fld id="{B61BEF0D-F0BB-DE4B-95CE-6DB70DBA9567}" type="datetimeFigureOut">
               <a:rPr lang="en-US" smtClean="0"/>
               <a:pPr/>
-              <a:t>6/22/2016</a:t>
+              <a:t>6/26/2016</a:t>
             </a:fld>
             <a:endParaRPr lang="en-US" dirty="0"/>
           </a:p>
@@ -5501,7 +5506,7 @@
             <a:fld id="{B61BEF0D-F0BB-DE4B-95CE-6DB70DBA9567}" type="datetimeFigureOut">
               <a:rPr lang="en-US" smtClean="0"/>
               <a:pPr/>
-              <a:t>6/22/2016</a:t>
+              <a:t>6/26/2016</a:t>
             </a:fld>
             <a:endParaRPr lang="en-US" dirty="0"/>
           </a:p>
@@ -5717,7 +5722,7 @@
             <a:fld id="{B61BEF0D-F0BB-DE4B-95CE-6DB70DBA9567}" type="datetimeFigureOut">
               <a:rPr lang="en-US" smtClean="0"/>
               <a:pPr/>
-              <a:t>6/22/2016</a:t>
+              <a:t>6/26/2016</a:t>
             </a:fld>
             <a:endParaRPr lang="en-US" dirty="0"/>
           </a:p>
@@ -6247,10 +6252,9 @@
           <a:lstStyle/>
           <a:p>
             <a:r>
-              <a:rPr lang="en-US" dirty="0" smtClean="0"/>
-              <a:t>Lesson 1 Case 1</a:t>
-            </a:r>
-            <a:endParaRPr lang="en-US" dirty="0"/>
+              <a:rPr lang="en-US" dirty="0"/>
+              <a:t>Roadmap</a:t>
+            </a:r>
           </a:p>
         </p:txBody>
       </p:sp>
@@ -6270,18 +6274,17 @@
           <a:lstStyle/>
           <a:p>
             <a:r>
-              <a:rPr lang="en-US" dirty="0" smtClean="0"/>
+              <a:rPr lang="en-US" dirty="0"/>
               <a:t>Node </a:t>
             </a:r>
             <a:r>
-              <a:rPr lang="en-US" dirty="0" err="1" smtClean="0"/>
+              <a:rPr lang="en-US" dirty="0" err="1"/>
               <a:t>FileSystem</a:t>
             </a:r>
             <a:r>
-              <a:rPr lang="en-US" dirty="0" smtClean="0"/>
+              <a:rPr lang="en-US" dirty="0"/>
               <a:t> - csv</a:t>
             </a:r>
-            <a:endParaRPr lang="en-US" dirty="0"/>
           </a:p>
         </p:txBody>
       </p:sp>
@@ -6315,9 +6318,28 @@
           <a:chExt cx="0" cy="0"/>
         </a:xfrm>
       </p:grpSpPr>
+      <p:sp>
+        <p:nvSpPr>
+          <p:cNvPr id="2" name="Title 1"/>
+          <p:cNvSpPr>
+            <a:spLocks noGrp="1"/>
+          </p:cNvSpPr>
+          <p:nvPr>
+            <p:ph type="title"/>
+          </p:nvPr>
+        </p:nvSpPr>
+        <p:spPr/>
+        <p:txBody>
+          <a:bodyPr/>
+          <a:lstStyle/>
+          <a:p>
+            <a:endParaRPr lang="en-US"/>
+          </a:p>
+        </p:txBody>
+      </p:sp>
       <p:pic>
         <p:nvPicPr>
-          <p:cNvPr id="22" name="Picture 21"/>
+          <p:cNvPr id="5" name="Picture 4" descr="excelfile png definición de excel celda rango etiquetas de hoja"/>
           <p:cNvPicPr>
             <a:picLocks noChangeAspect="1"/>
           </p:cNvPicPr>
@@ -6331,8 +6353,8 @@
         </p:blipFill>
         <p:spPr>
           <a:xfrm>
-            <a:off x="5953250" y="3660419"/>
-            <a:ext cx="6064447" cy="1581556"/>
+            <a:off x="895056" y="2552114"/>
+            <a:ext cx="546686" cy="546686"/>
           </a:xfrm>
           <a:prstGeom prst="rect">
             <a:avLst/>
@@ -6341,2072 +6363,57 @@
       </p:pic>
       <p:sp>
         <p:nvSpPr>
-          <p:cNvPr id="27" name="Curved Right Arrow 26"/>
-          <p:cNvSpPr/>
+          <p:cNvPr id="6" name="TextBox 5"/>
+          <p:cNvSpPr txBox="1"/>
           <p:nvPr/>
         </p:nvSpPr>
         <p:spPr>
           <a:xfrm>
-            <a:off x="5676476" y="3010124"/>
-            <a:ext cx="577838" cy="999168"/>
-          </a:xfrm>
-          <a:prstGeom prst="curvedRightArrow">
+            <a:off x="2493326" y="2559795"/>
+            <a:ext cx="4080604" cy="369332"/>
+          </a:xfrm>
+          <a:prstGeom prst="rect">
             <a:avLst/>
           </a:prstGeom>
-          <a:ln>
-            <a:solidFill>
-              <a:schemeClr val="bg2">
-                <a:lumMod val="50000"/>
-              </a:schemeClr>
-            </a:solidFill>
-          </a:ln>
-        </p:spPr>
-        <p:style>
-          <a:lnRef idx="3">
-            <a:schemeClr val="lt1"/>
-          </a:lnRef>
-          <a:fillRef idx="1">
-            <a:schemeClr val="accent3"/>
-          </a:fillRef>
-          <a:effectRef idx="1">
-            <a:schemeClr val="accent3"/>
-          </a:effectRef>
-          <a:fontRef idx="minor">
-            <a:schemeClr val="lt1"/>
-          </a:fontRef>
-        </p:style>
-        <p:txBody>
-          <a:bodyPr rtlCol="0" anchor="ctr"/>
+          <a:noFill/>
+        </p:spPr>
+        <p:txBody>
+          <a:bodyPr wrap="none" rtlCol="0">
+            <a:spAutoFit/>
+          </a:bodyPr>
           <a:lstStyle/>
           <a:p>
-            <a:pPr algn="ctr"/>
-            <a:endParaRPr lang="en-US">
-              <a:solidFill>
-                <a:schemeClr val="tx1"/>
-              </a:solidFill>
-            </a:endParaRPr>
+            <a:r>
+              <a:rPr lang="en-US" dirty="0"/>
+              <a:t>Consolidate multiple files into a single file</a:t>
+            </a:r>
           </a:p>
         </p:txBody>
       </p:sp>
       <p:grpSp>
         <p:nvGrpSpPr>
-          <p:cNvPr id="14" name="Group 13"/>
+          <p:cNvPr id="7" name="Group 6"/>
           <p:cNvGrpSpPr/>
           <p:nvPr/>
         </p:nvGrpSpPr>
         <p:grpSpPr>
           <a:xfrm>
-            <a:off x="895056" y="2552114"/>
-            <a:ext cx="1230591" cy="546686"/>
-            <a:chOff x="2099603" y="2552114"/>
-            <a:chExt cx="1230591" cy="546686"/>
+            <a:off x="8207362" y="3156829"/>
+            <a:ext cx="1206266" cy="2437569"/>
+            <a:chOff x="1013460" y="3086100"/>
+            <a:chExt cx="1206266" cy="2437569"/>
           </a:xfrm>
         </p:grpSpPr>
         <p:pic>
           <p:nvPicPr>
-            <p:cNvPr id="4" name="Picture 3" descr="excelfile png definición de excel celda rango etiquetas de hoja"/>
-            <p:cNvPicPr>
-              <a:picLocks noChangeAspect="1"/>
-            </p:cNvPicPr>
-            <p:nvPr/>
-          </p:nvPicPr>
-          <p:blipFill>
-            <a:blip r:embed="rId3"/>
-            <a:stretch>
-              <a:fillRect/>
-            </a:stretch>
-          </p:blipFill>
-          <p:spPr>
-            <a:xfrm>
-              <a:off x="2099603" y="2552114"/>
-              <a:ext cx="546686" cy="546686"/>
-            </a:xfrm>
-            <a:prstGeom prst="rect">
-              <a:avLst/>
-            </a:prstGeom>
-          </p:spPr>
-        </p:pic>
-        <p:sp>
-          <p:nvSpPr>
-            <p:cNvPr id="5" name="TextBox 4"/>
-            <p:cNvSpPr txBox="1"/>
-            <p:nvPr/>
-          </p:nvSpPr>
-          <p:spPr>
-            <a:xfrm>
-              <a:off x="2646289" y="2640791"/>
-              <a:ext cx="683905" cy="369332"/>
-            </a:xfrm>
-            <a:prstGeom prst="rect">
-              <a:avLst/>
-            </a:prstGeom>
-            <a:noFill/>
-          </p:spPr>
-          <p:txBody>
-            <a:bodyPr wrap="none" rtlCol="0">
-              <a:spAutoFit/>
-            </a:bodyPr>
-            <a:lstStyle/>
-            <a:p>
-              <a:r>
-                <a:rPr lang="en-US" dirty="0"/>
-                <a:t>Texas</a:t>
-              </a:r>
-            </a:p>
-          </p:txBody>
-        </p:sp>
-      </p:grpSp>
-      <p:grpSp>
-        <p:nvGrpSpPr>
-          <p:cNvPr id="15" name="Group 14"/>
-          <p:cNvGrpSpPr/>
-          <p:nvPr/>
-        </p:nvGrpSpPr>
-        <p:grpSpPr>
-          <a:xfrm>
-            <a:off x="895056" y="3202410"/>
-            <a:ext cx="1613838" cy="546686"/>
-            <a:chOff x="2099603" y="3187477"/>
-            <a:chExt cx="1613838" cy="546686"/>
-          </a:xfrm>
-        </p:grpSpPr>
-        <p:pic>
-          <p:nvPicPr>
-            <p:cNvPr id="6" name="Picture 5" descr="excelfile png definición de excel celda rango etiquetas de hoja"/>
-            <p:cNvPicPr>
-              <a:picLocks noChangeAspect="1"/>
-            </p:cNvPicPr>
-            <p:nvPr/>
-          </p:nvPicPr>
-          <p:blipFill>
-            <a:blip r:embed="rId3"/>
-            <a:stretch>
-              <a:fillRect/>
-            </a:stretch>
-          </p:blipFill>
-          <p:spPr>
-            <a:xfrm>
-              <a:off x="2099603" y="3187477"/>
-              <a:ext cx="546686" cy="546686"/>
-            </a:xfrm>
-            <a:prstGeom prst="rect">
-              <a:avLst/>
-            </a:prstGeom>
-          </p:spPr>
-        </p:pic>
-        <p:sp>
-          <p:nvSpPr>
-            <p:cNvPr id="7" name="TextBox 6"/>
-            <p:cNvSpPr txBox="1"/>
-            <p:nvPr/>
-          </p:nvSpPr>
-          <p:spPr>
-            <a:xfrm>
-              <a:off x="2646289" y="3276154"/>
-              <a:ext cx="1067152" cy="369332"/>
-            </a:xfrm>
-            <a:prstGeom prst="rect">
-              <a:avLst/>
-            </a:prstGeom>
-            <a:noFill/>
-          </p:spPr>
-          <p:txBody>
-            <a:bodyPr wrap="none" rtlCol="0">
-              <a:spAutoFit/>
-            </a:bodyPr>
-            <a:lstStyle/>
-            <a:p>
-              <a:r>
-                <a:rPr lang="en-US" dirty="0"/>
-                <a:t>New York</a:t>
-              </a:r>
-            </a:p>
-          </p:txBody>
-        </p:sp>
-      </p:grpSp>
-      <p:grpSp>
-        <p:nvGrpSpPr>
-          <p:cNvPr id="16" name="Group 15"/>
-          <p:cNvGrpSpPr/>
-          <p:nvPr/>
-        </p:nvGrpSpPr>
-        <p:grpSpPr>
-          <a:xfrm>
-            <a:off x="895056" y="3852706"/>
-            <a:ext cx="1624160" cy="546686"/>
-            <a:chOff x="2099603" y="3882572"/>
-            <a:chExt cx="1624160" cy="546686"/>
-          </a:xfrm>
-        </p:grpSpPr>
-        <p:pic>
-          <p:nvPicPr>
-            <p:cNvPr id="8" name="Picture 7" descr="excelfile png definición de excel celda rango etiquetas de hoja"/>
-            <p:cNvPicPr>
-              <a:picLocks noChangeAspect="1"/>
-            </p:cNvPicPr>
-            <p:nvPr/>
-          </p:nvPicPr>
-          <p:blipFill>
-            <a:blip r:embed="rId3"/>
-            <a:stretch>
-              <a:fillRect/>
-            </a:stretch>
-          </p:blipFill>
-          <p:spPr>
-            <a:xfrm>
-              <a:off x="2099603" y="3882572"/>
-              <a:ext cx="546686" cy="546686"/>
-            </a:xfrm>
-            <a:prstGeom prst="rect">
-              <a:avLst/>
-            </a:prstGeom>
-          </p:spPr>
-        </p:pic>
-        <p:sp>
-          <p:nvSpPr>
-            <p:cNvPr id="9" name="TextBox 8"/>
-            <p:cNvSpPr txBox="1"/>
-            <p:nvPr/>
-          </p:nvSpPr>
-          <p:spPr>
-            <a:xfrm>
-              <a:off x="2646289" y="3971249"/>
-              <a:ext cx="1077474" cy="369332"/>
-            </a:xfrm>
-            <a:prstGeom prst="rect">
-              <a:avLst/>
-            </a:prstGeom>
-            <a:noFill/>
-          </p:spPr>
-          <p:txBody>
-            <a:bodyPr wrap="none" rtlCol="0">
-              <a:spAutoFit/>
-            </a:bodyPr>
-            <a:lstStyle/>
-            <a:p>
-              <a:r>
-                <a:rPr lang="en-US" dirty="0"/>
-                <a:t>California</a:t>
-              </a:r>
-            </a:p>
-          </p:txBody>
-        </p:sp>
-      </p:grpSp>
-      <p:grpSp>
-        <p:nvGrpSpPr>
-          <p:cNvPr id="17" name="Group 16"/>
-          <p:cNvGrpSpPr/>
-          <p:nvPr/>
-        </p:nvGrpSpPr>
-        <p:grpSpPr>
-          <a:xfrm>
-            <a:off x="895056" y="4503002"/>
-            <a:ext cx="1581008" cy="546686"/>
-            <a:chOff x="2099603" y="4517935"/>
-            <a:chExt cx="1581008" cy="546686"/>
-          </a:xfrm>
-        </p:grpSpPr>
-        <p:pic>
-          <p:nvPicPr>
-            <p:cNvPr id="10" name="Picture 9" descr="excelfile png definición de excel celda rango etiquetas de hoja"/>
-            <p:cNvPicPr>
-              <a:picLocks noChangeAspect="1"/>
-            </p:cNvPicPr>
-            <p:nvPr/>
-          </p:nvPicPr>
-          <p:blipFill>
-            <a:blip r:embed="rId3"/>
-            <a:stretch>
-              <a:fillRect/>
-            </a:stretch>
-          </p:blipFill>
-          <p:spPr>
-            <a:xfrm>
-              <a:off x="2099603" y="4517935"/>
-              <a:ext cx="546686" cy="546686"/>
-            </a:xfrm>
-            <a:prstGeom prst="rect">
-              <a:avLst/>
-            </a:prstGeom>
-          </p:spPr>
-        </p:pic>
-        <p:sp>
-          <p:nvSpPr>
-            <p:cNvPr id="11" name="TextBox 10"/>
-            <p:cNvSpPr txBox="1"/>
-            <p:nvPr/>
-          </p:nvSpPr>
-          <p:spPr>
-            <a:xfrm>
-              <a:off x="2646289" y="4606612"/>
-              <a:ext cx="1034322" cy="369332"/>
-            </a:xfrm>
-            <a:prstGeom prst="rect">
-              <a:avLst/>
-            </a:prstGeom>
-            <a:noFill/>
-          </p:spPr>
-          <p:txBody>
-            <a:bodyPr wrap="none" rtlCol="0">
-              <a:spAutoFit/>
-            </a:bodyPr>
-            <a:lstStyle/>
-            <a:p>
-              <a:r>
-                <a:rPr lang="en-US" dirty="0"/>
-                <a:t>Colorado</a:t>
-              </a:r>
-            </a:p>
-          </p:txBody>
-        </p:sp>
-      </p:grpSp>
-      <p:grpSp>
-        <p:nvGrpSpPr>
-          <p:cNvPr id="18" name="Group 17"/>
-          <p:cNvGrpSpPr/>
-          <p:nvPr/>
-        </p:nvGrpSpPr>
-        <p:grpSpPr>
-          <a:xfrm>
-            <a:off x="1113089" y="5153298"/>
-            <a:ext cx="1350817" cy="546686"/>
-            <a:chOff x="2646289" y="5241975"/>
-            <a:chExt cx="1350817" cy="546686"/>
-          </a:xfrm>
-        </p:grpSpPr>
-        <p:pic>
-          <p:nvPicPr>
-            <p:cNvPr id="12" name="Picture 11" descr="excelfile png definición de excel celda rango etiquetas de hoja"/>
-            <p:cNvPicPr>
-              <a:picLocks noChangeAspect="1"/>
-            </p:cNvPicPr>
-            <p:nvPr/>
-          </p:nvPicPr>
-          <p:blipFill>
-            <a:blip r:embed="rId3"/>
-            <a:stretch>
-              <a:fillRect/>
-            </a:stretch>
-          </p:blipFill>
-          <p:spPr>
-            <a:xfrm>
-              <a:off x="3450420" y="5241975"/>
-              <a:ext cx="546686" cy="546686"/>
-            </a:xfrm>
-            <a:prstGeom prst="rect">
-              <a:avLst/>
-            </a:prstGeom>
-          </p:spPr>
-        </p:pic>
-        <p:sp>
-          <p:nvSpPr>
-            <p:cNvPr id="13" name="TextBox 12"/>
-            <p:cNvSpPr txBox="1"/>
-            <p:nvPr/>
-          </p:nvSpPr>
-          <p:spPr>
-            <a:xfrm>
-              <a:off x="2646289" y="5330652"/>
-              <a:ext cx="798617" cy="369332"/>
-            </a:xfrm>
-            <a:prstGeom prst="rect">
-              <a:avLst/>
-            </a:prstGeom>
-            <a:noFill/>
-          </p:spPr>
-          <p:txBody>
-            <a:bodyPr wrap="none" rtlCol="0">
-              <a:spAutoFit/>
-            </a:bodyPr>
-            <a:lstStyle/>
-            <a:p>
-              <a:r>
-                <a:rPr lang="en-US" dirty="0"/>
-                <a:t>… + 46</a:t>
-              </a:r>
-            </a:p>
-          </p:txBody>
-        </p:sp>
-      </p:grpSp>
-      <p:sp>
-        <p:nvSpPr>
-          <p:cNvPr id="19" name="Right Brace 18"/>
-          <p:cNvSpPr/>
-          <p:nvPr/>
-        </p:nvSpPr>
-        <p:spPr>
-          <a:xfrm>
-            <a:off x="2508894" y="2350003"/>
-            <a:ext cx="756138" cy="3552092"/>
-          </a:xfrm>
-          <a:prstGeom prst="rightBrace">
-            <a:avLst/>
-          </a:prstGeom>
-          <a:ln>
-            <a:solidFill>
-              <a:schemeClr val="accent1">
-                <a:lumMod val="20000"/>
-                <a:lumOff val="80000"/>
-              </a:schemeClr>
-            </a:solidFill>
-          </a:ln>
-        </p:spPr>
-        <p:style>
-          <a:lnRef idx="3">
-            <a:schemeClr val="accent6"/>
-          </a:lnRef>
-          <a:fillRef idx="0">
-            <a:schemeClr val="accent6"/>
-          </a:fillRef>
-          <a:effectRef idx="2">
-            <a:schemeClr val="accent6"/>
-          </a:effectRef>
-          <a:fontRef idx="minor">
-            <a:schemeClr val="tx1"/>
-          </a:fontRef>
-        </p:style>
-        <p:txBody>
-          <a:bodyPr rtlCol="0" anchor="ctr"/>
-          <a:lstStyle/>
-          <a:p>
-            <a:pPr algn="ctr"/>
-            <a:endParaRPr lang="en-US"/>
-          </a:p>
-        </p:txBody>
-      </p:sp>
-      <p:sp>
-        <p:nvSpPr>
-          <p:cNvPr id="20" name="Oval 19"/>
-          <p:cNvSpPr/>
-          <p:nvPr/>
-        </p:nvSpPr>
-        <p:spPr>
-          <a:xfrm>
-            <a:off x="3431977" y="3357727"/>
-            <a:ext cx="1536644" cy="1536644"/>
-          </a:xfrm>
-          <a:prstGeom prst="ellipse">
-            <a:avLst/>
-          </a:prstGeom>
-        </p:spPr>
-        <p:style>
-          <a:lnRef idx="1">
-            <a:schemeClr val="dk1"/>
-          </a:lnRef>
-          <a:fillRef idx="3">
-            <a:schemeClr val="dk1"/>
-          </a:fillRef>
-          <a:effectRef idx="2">
-            <a:schemeClr val="dk1"/>
-          </a:effectRef>
-          <a:fontRef idx="minor">
-            <a:schemeClr val="lt1"/>
-          </a:fontRef>
-        </p:style>
-        <p:txBody>
-          <a:bodyPr rtlCol="0" anchor="ctr"/>
-          <a:lstStyle/>
-          <a:p>
-            <a:pPr algn="ctr"/>
-            <a:r>
-              <a:rPr lang="en-US" dirty="0"/>
-              <a:t>Process</a:t>
-            </a:r>
-          </a:p>
-        </p:txBody>
-      </p:sp>
-      <p:sp>
-        <p:nvSpPr>
-          <p:cNvPr id="21" name="Left Brace 20"/>
-          <p:cNvSpPr/>
-          <p:nvPr/>
-        </p:nvSpPr>
-        <p:spPr>
-          <a:xfrm>
-            <a:off x="5135566" y="2328022"/>
-            <a:ext cx="817684" cy="3596053"/>
-          </a:xfrm>
-          <a:prstGeom prst="leftBrace">
-            <a:avLst/>
-          </a:prstGeom>
-          <a:ln>
-            <a:solidFill>
-              <a:schemeClr val="accent1">
-                <a:lumMod val="20000"/>
-                <a:lumOff val="80000"/>
-              </a:schemeClr>
-            </a:solidFill>
-          </a:ln>
-        </p:spPr>
-        <p:style>
-          <a:lnRef idx="3">
-            <a:schemeClr val="accent6"/>
-          </a:lnRef>
-          <a:fillRef idx="0">
-            <a:schemeClr val="accent6"/>
-          </a:fillRef>
-          <a:effectRef idx="2">
-            <a:schemeClr val="accent6"/>
-          </a:effectRef>
-          <a:fontRef idx="minor">
-            <a:schemeClr val="tx1"/>
-          </a:fontRef>
-        </p:style>
-        <p:txBody>
-          <a:bodyPr rtlCol="0" anchor="ctr"/>
-          <a:lstStyle/>
-          <a:p>
-            <a:pPr algn="ctr"/>
-            <a:endParaRPr lang="en-US"/>
-          </a:p>
-        </p:txBody>
-      </p:sp>
-      <p:grpSp>
-        <p:nvGrpSpPr>
-          <p:cNvPr id="23" name="Group 22"/>
-          <p:cNvGrpSpPr/>
-          <p:nvPr/>
-        </p:nvGrpSpPr>
-        <p:grpSpPr>
-          <a:xfrm>
-            <a:off x="5953250" y="2652515"/>
-            <a:ext cx="3159132" cy="546686"/>
-            <a:chOff x="2099603" y="2552114"/>
-            <a:chExt cx="3159132" cy="546686"/>
-          </a:xfrm>
-        </p:grpSpPr>
-        <p:pic>
-          <p:nvPicPr>
-            <p:cNvPr id="24" name="Picture 23" descr="excelfile png definición de excel celda rango etiquetas de hoja"/>
-            <p:cNvPicPr>
-              <a:picLocks noChangeAspect="1"/>
-            </p:cNvPicPr>
-            <p:nvPr/>
-          </p:nvPicPr>
-          <p:blipFill>
-            <a:blip r:embed="rId3"/>
-            <a:stretch>
-              <a:fillRect/>
-            </a:stretch>
-          </p:blipFill>
-          <p:spPr>
-            <a:xfrm>
-              <a:off x="2099603" y="2552114"/>
-              <a:ext cx="546686" cy="546686"/>
-            </a:xfrm>
-            <a:prstGeom prst="rect">
-              <a:avLst/>
-            </a:prstGeom>
-          </p:spPr>
-        </p:pic>
-        <p:sp>
-          <p:nvSpPr>
-            <p:cNvPr id="25" name="TextBox 24"/>
-            <p:cNvSpPr txBox="1"/>
-            <p:nvPr/>
-          </p:nvSpPr>
-          <p:spPr>
-            <a:xfrm>
-              <a:off x="2646289" y="2640791"/>
-              <a:ext cx="2612446" cy="369332"/>
-            </a:xfrm>
-            <a:prstGeom prst="rect">
-              <a:avLst/>
-            </a:prstGeom>
-            <a:noFill/>
-          </p:spPr>
-          <p:txBody>
-            <a:bodyPr wrap="none" rtlCol="0">
-              <a:spAutoFit/>
-            </a:bodyPr>
-            <a:lstStyle/>
-            <a:p>
-              <a:r>
-                <a:rPr lang="en-US" dirty="0"/>
-                <a:t>Consolidated List of Leads</a:t>
-              </a:r>
-            </a:p>
-          </p:txBody>
-        </p:sp>
-      </p:grpSp>
-      <p:sp>
-        <p:nvSpPr>
-          <p:cNvPr id="28" name="TextBox 27"/>
-          <p:cNvSpPr txBox="1"/>
-          <p:nvPr/>
-        </p:nvSpPr>
-        <p:spPr>
-          <a:xfrm>
-            <a:off x="1216847" y="1619907"/>
-            <a:ext cx="992579" cy="461665"/>
-          </a:xfrm>
-          <a:prstGeom prst="rect">
-            <a:avLst/>
-          </a:prstGeom>
-          <a:noFill/>
-        </p:spPr>
-        <p:txBody>
-          <a:bodyPr wrap="none" rtlCol="0">
-            <a:spAutoFit/>
-          </a:bodyPr>
-          <a:lstStyle/>
-          <a:p>
-            <a:r>
-              <a:rPr lang="en-US" sz="2400" b="1" dirty="0"/>
-              <a:t>Inputs</a:t>
-            </a:r>
-          </a:p>
-        </p:txBody>
-      </p:sp>
-      <p:sp>
-        <p:nvSpPr>
-          <p:cNvPr id="29" name="TextBox 28"/>
-          <p:cNvSpPr txBox="1"/>
-          <p:nvPr/>
-        </p:nvSpPr>
-        <p:spPr>
-          <a:xfrm>
-            <a:off x="6054596" y="1618967"/>
-            <a:ext cx="1226618" cy="461665"/>
-          </a:xfrm>
-          <a:prstGeom prst="rect">
-            <a:avLst/>
-          </a:prstGeom>
-          <a:noFill/>
-        </p:spPr>
-        <p:txBody>
-          <a:bodyPr wrap="none" rtlCol="0">
-            <a:spAutoFit/>
-          </a:bodyPr>
-          <a:lstStyle/>
-          <a:p>
-            <a:r>
-              <a:rPr lang="en-US" sz="2400" b="1" dirty="0"/>
-              <a:t>Outputs</a:t>
-            </a:r>
-          </a:p>
-        </p:txBody>
-      </p:sp>
-    </p:spTree>
-    <p:extLst>
-      <p:ext uri="{BB962C8B-B14F-4D97-AF65-F5344CB8AC3E}">
-        <p14:creationId xmlns:p14="http://schemas.microsoft.com/office/powerpoint/2010/main" val="2521872920"/>
-      </p:ext>
-    </p:extLst>
-  </p:cSld>
-  <p:clrMapOvr>
-    <a:masterClrMapping/>
-  </p:clrMapOvr>
-</p:sld>
-</file>
-
-<file path=ppt/slides/slide3.xml><?xml version="1.0" encoding="utf-8"?>
-<p:sld xmlns:a="http://schemas.openxmlformats.org/drawingml/2006/main" xmlns:r="http://schemas.openxmlformats.org/officeDocument/2006/relationships" xmlns:p="http://schemas.openxmlformats.org/presentationml/2006/main">
-  <p:cSld>
-    <p:spTree>
-      <p:nvGrpSpPr>
-        <p:cNvPr id="1" name=""/>
-        <p:cNvGrpSpPr/>
-        <p:nvPr/>
-      </p:nvGrpSpPr>
-      <p:grpSpPr>
-        <a:xfrm>
-          <a:off x="0" y="0"/>
-          <a:ext cx="0" cy="0"/>
-          <a:chOff x="0" y="0"/>
-          <a:chExt cx="0" cy="0"/>
-        </a:xfrm>
-      </p:grpSpPr>
-      <p:sp>
-        <p:nvSpPr>
-          <p:cNvPr id="2" name="Title 1"/>
-          <p:cNvSpPr>
-            <a:spLocks noGrp="1"/>
-          </p:cNvSpPr>
-          <p:nvPr>
-            <p:ph type="title"/>
-          </p:nvPr>
-        </p:nvSpPr>
-        <p:spPr/>
-        <p:txBody>
-          <a:bodyPr/>
-          <a:lstStyle/>
-          <a:p>
-            <a:r>
-              <a:rPr lang="en-US" dirty="0"/>
-              <a:t>Process Flow</a:t>
-            </a:r>
-          </a:p>
-        </p:txBody>
-      </p:sp>
-      <p:sp>
-        <p:nvSpPr>
-          <p:cNvPr id="3" name="Content Placeholder 2"/>
-          <p:cNvSpPr>
-            <a:spLocks noGrp="1"/>
-          </p:cNvSpPr>
-          <p:nvPr>
-            <p:ph idx="1"/>
-          </p:nvPr>
-        </p:nvSpPr>
-        <p:spPr/>
-        <p:txBody>
-          <a:bodyPr/>
-          <a:lstStyle/>
-          <a:p>
-            <a:endParaRPr lang="en-US" dirty="0"/>
-          </a:p>
-        </p:txBody>
-      </p:sp>
-    </p:spTree>
-    <p:extLst>
-      <p:ext uri="{BB962C8B-B14F-4D97-AF65-F5344CB8AC3E}">
-        <p14:creationId xmlns:p14="http://schemas.microsoft.com/office/powerpoint/2010/main" val="3815960845"/>
-      </p:ext>
-    </p:extLst>
-  </p:cSld>
-  <p:clrMapOvr>
-    <a:masterClrMapping/>
-  </p:clrMapOvr>
-</p:sld>
-</file>
-
-<file path=ppt/slides/slide4.xml><?xml version="1.0" encoding="utf-8"?>
-<p:sld xmlns:a="http://schemas.openxmlformats.org/drawingml/2006/main" xmlns:r="http://schemas.openxmlformats.org/officeDocument/2006/relationships" xmlns:p="http://schemas.openxmlformats.org/presentationml/2006/main">
-  <p:cSld>
-    <p:spTree>
-      <p:nvGrpSpPr>
-        <p:cNvPr id="1" name=""/>
-        <p:cNvGrpSpPr/>
-        <p:nvPr/>
-      </p:nvGrpSpPr>
-      <p:grpSpPr>
-        <a:xfrm>
-          <a:off x="0" y="0"/>
-          <a:ext cx="0" cy="0"/>
-          <a:chOff x="0" y="0"/>
-          <a:chExt cx="0" cy="0"/>
-        </a:xfrm>
-      </p:grpSpPr>
-      <p:sp>
-        <p:nvSpPr>
-          <p:cNvPr id="2" name="Title 1"/>
-          <p:cNvSpPr>
-            <a:spLocks noGrp="1"/>
-          </p:cNvSpPr>
-          <p:nvPr>
-            <p:ph type="title"/>
-          </p:nvPr>
-        </p:nvSpPr>
-        <p:spPr/>
-        <p:txBody>
-          <a:bodyPr/>
-          <a:lstStyle/>
-          <a:p>
-            <a:r>
-              <a:rPr lang="es-ES" dirty="0"/>
-              <a:t>L1 – Case 1</a:t>
-            </a:r>
-            <a:endParaRPr lang="en-US" dirty="0"/>
-          </a:p>
-        </p:txBody>
-      </p:sp>
-      <p:pic>
-        <p:nvPicPr>
-          <p:cNvPr id="4" name="Picture 3"/>
-          <p:cNvPicPr>
-            <a:picLocks noChangeAspect="1"/>
-          </p:cNvPicPr>
-          <p:nvPr/>
-        </p:nvPicPr>
-        <p:blipFill>
-          <a:blip r:embed="rId2"/>
-          <a:stretch>
-            <a:fillRect/>
-          </a:stretch>
-        </p:blipFill>
-        <p:spPr>
-          <a:xfrm>
-            <a:off x="4304474" y="544530"/>
-            <a:ext cx="7185140" cy="2389014"/>
-          </a:xfrm>
-          <a:prstGeom prst="rect">
-            <a:avLst/>
-          </a:prstGeom>
-        </p:spPr>
-      </p:pic>
-      <p:sp>
-        <p:nvSpPr>
-          <p:cNvPr id="5" name="TextBox 4"/>
-          <p:cNvSpPr txBox="1"/>
-          <p:nvPr/>
-        </p:nvSpPr>
-        <p:spPr>
-          <a:xfrm>
-            <a:off x="591451" y="3052455"/>
-            <a:ext cx="10898163" cy="2862322"/>
-          </a:xfrm>
-          <a:prstGeom prst="rect">
-            <a:avLst/>
-          </a:prstGeom>
-          <a:noFill/>
-        </p:spPr>
-        <p:txBody>
-          <a:bodyPr wrap="square" rtlCol="0">
-            <a:spAutoFit/>
-          </a:bodyPr>
-          <a:lstStyle/>
-          <a:p>
-            <a:r>
-              <a:rPr lang="en-US" dirty="0"/>
-              <a:t>We’ll start by taking files that are already formatted the way we want and consolidating them into one file. There’s a couple of things we’ll need to know about to do this:</a:t>
-            </a:r>
-          </a:p>
-          <a:p>
-            <a:pPr marL="285750" indent="-285750">
-              <a:buFont typeface="Arial" panose="020B0604020202020204" pitchFamily="34" charset="0"/>
-              <a:buChar char="•"/>
-            </a:pPr>
-            <a:r>
-              <a:rPr lang="en-US" dirty="0"/>
-              <a:t>Reading a directory with </a:t>
-            </a:r>
-            <a:r>
-              <a:rPr lang="en-US" dirty="0" err="1"/>
-              <a:t>fs.readdir</a:t>
-            </a:r>
-            <a:endParaRPr lang="en-US" dirty="0"/>
-          </a:p>
-          <a:p>
-            <a:pPr marL="285750" indent="-285750">
-              <a:buFont typeface="Arial" panose="020B0604020202020204" pitchFamily="34" charset="0"/>
-              <a:buChar char="•"/>
-            </a:pPr>
-            <a:r>
-              <a:rPr lang="en-US" dirty="0"/>
-              <a:t>Reading a file with </a:t>
-            </a:r>
-            <a:r>
-              <a:rPr lang="en-US" dirty="0" err="1"/>
-              <a:t>fs.readFile</a:t>
-            </a:r>
-            <a:endParaRPr lang="en-US" dirty="0"/>
-          </a:p>
-          <a:p>
-            <a:pPr marL="285750" indent="-285750">
-              <a:buFont typeface="Arial" panose="020B0604020202020204" pitchFamily="34" charset="0"/>
-              <a:buChar char="•"/>
-            </a:pPr>
-            <a:r>
-              <a:rPr lang="en-US" dirty="0"/>
-              <a:t>Writing a file with </a:t>
-            </a:r>
-            <a:r>
-              <a:rPr lang="en-US" dirty="0" err="1" smtClean="0"/>
-              <a:t>fs.writeFile</a:t>
-            </a:r>
-            <a:endParaRPr lang="en-US" dirty="0" smtClean="0"/>
-          </a:p>
-          <a:p>
-            <a:pPr marL="285750" indent="-285750">
-              <a:buFont typeface="Arial" panose="020B0604020202020204" pitchFamily="34" charset="0"/>
-              <a:buChar char="•"/>
-            </a:pPr>
-            <a:endParaRPr lang="en-US" dirty="0"/>
-          </a:p>
-          <a:p>
-            <a:r>
-              <a:rPr lang="en-US" dirty="0" smtClean="0"/>
-              <a:t>When we complete this case, we’ll have the bulk of automation handled provided all team members give us the information we want in exactly the format we want it in. The solution is scalable for any number of files. This can save you a lot of time or would be a necessity depending on the scale you are working with, especially if you wanted to consolidate say 1,000 files or 10,000 for that matter. </a:t>
-            </a:r>
-            <a:endParaRPr lang="en-US" dirty="0"/>
-          </a:p>
-        </p:txBody>
-      </p:sp>
-    </p:spTree>
-    <p:extLst>
-      <p:ext uri="{BB962C8B-B14F-4D97-AF65-F5344CB8AC3E}">
-        <p14:creationId xmlns:p14="http://schemas.microsoft.com/office/powerpoint/2010/main" val="2413513629"/>
-      </p:ext>
-    </p:extLst>
-  </p:cSld>
-  <p:clrMapOvr>
-    <a:masterClrMapping/>
-  </p:clrMapOvr>
-</p:sld>
-</file>
-
-<file path=ppt/slides/slide5.xml><?xml version="1.0" encoding="utf-8"?>
-<p:sld xmlns:a="http://schemas.openxmlformats.org/drawingml/2006/main" xmlns:r="http://schemas.openxmlformats.org/officeDocument/2006/relationships" xmlns:p="http://schemas.openxmlformats.org/presentationml/2006/main">
-  <p:cSld>
-    <p:spTree>
-      <p:nvGrpSpPr>
-        <p:cNvPr id="1" name=""/>
-        <p:cNvGrpSpPr/>
-        <p:nvPr/>
-      </p:nvGrpSpPr>
-      <p:grpSpPr>
-        <a:xfrm>
-          <a:off x="0" y="0"/>
-          <a:ext cx="0" cy="0"/>
-          <a:chOff x="0" y="0"/>
-          <a:chExt cx="0" cy="0"/>
-        </a:xfrm>
-      </p:grpSpPr>
-      <p:sp>
-        <p:nvSpPr>
-          <p:cNvPr id="2" name="Title 1"/>
-          <p:cNvSpPr>
-            <a:spLocks noGrp="1"/>
-          </p:cNvSpPr>
-          <p:nvPr>
-            <p:ph type="title"/>
-          </p:nvPr>
-        </p:nvSpPr>
-        <p:spPr/>
-        <p:txBody>
-          <a:bodyPr/>
-          <a:lstStyle/>
-          <a:p>
-            <a:r>
-              <a:rPr lang="en-US" dirty="0"/>
-              <a:t>Listing 3</a:t>
-            </a:r>
-          </a:p>
-        </p:txBody>
-      </p:sp>
-      <p:pic>
-        <p:nvPicPr>
-          <p:cNvPr id="4" name="Picture 3"/>
-          <p:cNvPicPr>
-            <a:picLocks noChangeAspect="1"/>
-          </p:cNvPicPr>
-          <p:nvPr/>
-        </p:nvPicPr>
-        <p:blipFill rotWithShape="1">
-          <a:blip r:embed="rId2"/>
-          <a:srcRect r="20984"/>
-          <a:stretch/>
-        </p:blipFill>
-        <p:spPr>
-          <a:xfrm>
-            <a:off x="588963" y="1810808"/>
-            <a:ext cx="5893118" cy="4895850"/>
-          </a:xfrm>
-          <a:prstGeom prst="rect">
-            <a:avLst/>
-          </a:prstGeom>
-        </p:spPr>
-      </p:pic>
-      <p:sp>
-        <p:nvSpPr>
-          <p:cNvPr id="5" name="TextBox 4"/>
-          <p:cNvSpPr txBox="1"/>
-          <p:nvPr/>
-        </p:nvSpPr>
-        <p:spPr>
-          <a:xfrm>
-            <a:off x="6675142" y="2209911"/>
-            <a:ext cx="5377962" cy="4524315"/>
-          </a:xfrm>
-          <a:prstGeom prst="rect">
-            <a:avLst/>
-          </a:prstGeom>
-          <a:solidFill>
-            <a:schemeClr val="bg2">
-              <a:lumMod val="50000"/>
-            </a:schemeClr>
-          </a:solidFill>
-          <a:ln>
-            <a:solidFill>
-              <a:schemeClr val="accent1">
-                <a:lumMod val="20000"/>
-                <a:lumOff val="80000"/>
-              </a:schemeClr>
-            </a:solidFill>
-          </a:ln>
-        </p:spPr>
-        <p:txBody>
-          <a:bodyPr wrap="square" lIns="182880" tIns="182880" rIns="182880" bIns="182880" rtlCol="0">
-            <a:spAutoFit/>
-          </a:bodyPr>
-          <a:lstStyle/>
-          <a:p>
-            <a:r>
-              <a:rPr lang="en-US" dirty="0"/>
-              <a:t>We’ve accomplished the task but this doesn’t really save us much in terms of effort. Importantly, we now know how to read and write individual files.</a:t>
-            </a:r>
-          </a:p>
-          <a:p>
-            <a:endParaRPr lang="en-US" dirty="0"/>
-          </a:p>
-          <a:p>
-            <a:r>
-              <a:rPr lang="en-US" dirty="0"/>
-              <a:t>Looking at our output, we see that we’ve concatenated the files. To make this output useable, we’d still have to remove the extra header rows tacked on when each file is joined.  </a:t>
-            </a:r>
-          </a:p>
-          <a:p>
-            <a:endParaRPr lang="en-US" dirty="0"/>
-          </a:p>
-          <a:p>
-            <a:r>
-              <a:rPr lang="en-US" dirty="0"/>
-              <a:t>Also, the code is hard to maintain. It’s in this structure because node executes asynchronously. It’s out of scope for this lesson to explain the asynchronous nature of node. To simplify our code, we will introduce you to synchronous read/write methods in the next listing. </a:t>
-            </a:r>
-          </a:p>
-        </p:txBody>
-      </p:sp>
-      <p:pic>
-        <p:nvPicPr>
-          <p:cNvPr id="6" name="Picture 5"/>
-          <p:cNvPicPr>
-            <a:picLocks noChangeAspect="1"/>
-          </p:cNvPicPr>
-          <p:nvPr/>
-        </p:nvPicPr>
-        <p:blipFill>
-          <a:blip r:embed="rId3"/>
-          <a:stretch>
-            <a:fillRect/>
-          </a:stretch>
-        </p:blipFill>
-        <p:spPr>
-          <a:xfrm>
-            <a:off x="4941401" y="106325"/>
-            <a:ext cx="6827266" cy="1999414"/>
-          </a:xfrm>
-          <a:prstGeom prst="rect">
-            <a:avLst/>
-          </a:prstGeom>
-        </p:spPr>
-      </p:pic>
-      <p:sp>
-        <p:nvSpPr>
-          <p:cNvPr id="7" name="TextBox 6"/>
-          <p:cNvSpPr txBox="1"/>
-          <p:nvPr/>
-        </p:nvSpPr>
-        <p:spPr>
-          <a:xfrm>
-            <a:off x="3009417" y="530395"/>
-            <a:ext cx="856325" cy="369332"/>
-          </a:xfrm>
-          <a:prstGeom prst="rect">
-            <a:avLst/>
-          </a:prstGeom>
-          <a:noFill/>
-        </p:spPr>
-        <p:txBody>
-          <a:bodyPr wrap="none" rtlCol="0">
-            <a:spAutoFit/>
-          </a:bodyPr>
-          <a:lstStyle/>
-          <a:p>
-            <a:r>
-              <a:rPr lang="en-US" dirty="0"/>
-              <a:t>Output</a:t>
-            </a:r>
-          </a:p>
-        </p:txBody>
-      </p:sp>
-      <p:sp>
-        <p:nvSpPr>
-          <p:cNvPr id="8" name="Right Arrow 7"/>
-          <p:cNvSpPr/>
-          <p:nvPr/>
-        </p:nvSpPr>
-        <p:spPr>
-          <a:xfrm>
-            <a:off x="4028946" y="609600"/>
-            <a:ext cx="625033" cy="290127"/>
-          </a:xfrm>
-          <a:prstGeom prst="rightArrow">
-            <a:avLst/>
-          </a:prstGeom>
-        </p:spPr>
-        <p:style>
-          <a:lnRef idx="2">
-            <a:schemeClr val="accent1">
-              <a:shade val="50000"/>
-            </a:schemeClr>
-          </a:lnRef>
-          <a:fillRef idx="1">
-            <a:schemeClr val="accent1"/>
-          </a:fillRef>
-          <a:effectRef idx="0">
-            <a:schemeClr val="accent1"/>
-          </a:effectRef>
-          <a:fontRef idx="minor">
-            <a:schemeClr val="lt1"/>
-          </a:fontRef>
-        </p:style>
-        <p:txBody>
-          <a:bodyPr rtlCol="0" anchor="ctr"/>
-          <a:lstStyle/>
-          <a:p>
-            <a:pPr algn="ctr"/>
-            <a:endParaRPr lang="en-US"/>
-          </a:p>
-        </p:txBody>
-      </p:sp>
-      <p:sp>
-        <p:nvSpPr>
-          <p:cNvPr id="3" name="Rectangle 2"/>
-          <p:cNvSpPr/>
-          <p:nvPr/>
-        </p:nvSpPr>
-        <p:spPr>
-          <a:xfrm>
-            <a:off x="4849792" y="899727"/>
-            <a:ext cx="7002684" cy="304040"/>
-          </a:xfrm>
-          <a:prstGeom prst="rect">
-            <a:avLst/>
-          </a:prstGeom>
-          <a:noFill/>
-          <a:ln>
-            <a:solidFill>
-              <a:srgbClr val="FF0000"/>
-            </a:solidFill>
-          </a:ln>
-        </p:spPr>
-        <p:style>
-          <a:lnRef idx="2">
-            <a:schemeClr val="accent1">
-              <a:shade val="50000"/>
-            </a:schemeClr>
-          </a:lnRef>
-          <a:fillRef idx="1">
-            <a:schemeClr val="accent1"/>
-          </a:fillRef>
-          <a:effectRef idx="0">
-            <a:schemeClr val="accent1"/>
-          </a:effectRef>
-          <a:fontRef idx="minor">
-            <a:schemeClr val="lt1"/>
-          </a:fontRef>
-        </p:style>
-        <p:txBody>
-          <a:bodyPr rtlCol="0" anchor="ctr"/>
-          <a:lstStyle/>
-          <a:p>
-            <a:pPr algn="ctr"/>
-            <a:endParaRPr lang="en-US"/>
-          </a:p>
-        </p:txBody>
-      </p:sp>
-    </p:spTree>
-    <p:extLst>
-      <p:ext uri="{BB962C8B-B14F-4D97-AF65-F5344CB8AC3E}">
-        <p14:creationId xmlns:p14="http://schemas.microsoft.com/office/powerpoint/2010/main" val="3006126857"/>
-      </p:ext>
-    </p:extLst>
-  </p:cSld>
-  <p:clrMapOvr>
-    <a:masterClrMapping/>
-  </p:clrMapOvr>
-</p:sld>
-</file>
-
-<file path=ppt/slides/slide6.xml><?xml version="1.0" encoding="utf-8"?>
-<p:sld xmlns:a="http://schemas.openxmlformats.org/drawingml/2006/main" xmlns:r="http://schemas.openxmlformats.org/officeDocument/2006/relationships" xmlns:p="http://schemas.openxmlformats.org/presentationml/2006/main">
-  <p:cSld>
-    <p:spTree>
-      <p:nvGrpSpPr>
-        <p:cNvPr id="1" name=""/>
-        <p:cNvGrpSpPr/>
-        <p:nvPr/>
-      </p:nvGrpSpPr>
-      <p:grpSpPr>
-        <a:xfrm>
-          <a:off x="0" y="0"/>
-          <a:ext cx="0" cy="0"/>
-          <a:chOff x="0" y="0"/>
-          <a:chExt cx="0" cy="0"/>
-        </a:xfrm>
-      </p:grpSpPr>
-      <p:sp>
-        <p:nvSpPr>
-          <p:cNvPr id="2" name="Title 1"/>
-          <p:cNvSpPr>
-            <a:spLocks noGrp="1"/>
-          </p:cNvSpPr>
-          <p:nvPr>
-            <p:ph type="title"/>
-          </p:nvPr>
-        </p:nvSpPr>
-        <p:spPr/>
-        <p:txBody>
-          <a:bodyPr/>
-          <a:lstStyle/>
-          <a:p>
-            <a:r>
-              <a:rPr lang="en-US" dirty="0"/>
-              <a:t>Listing 4</a:t>
-            </a:r>
-          </a:p>
-        </p:txBody>
-      </p:sp>
-      <p:sp>
-        <p:nvSpPr>
-          <p:cNvPr id="3" name="Content Placeholder 2"/>
-          <p:cNvSpPr>
-            <a:spLocks noGrp="1"/>
-          </p:cNvSpPr>
-          <p:nvPr>
-            <p:ph idx="1"/>
-          </p:nvPr>
-        </p:nvSpPr>
-        <p:spPr/>
-        <p:txBody>
-          <a:bodyPr/>
-          <a:lstStyle/>
-          <a:p>
-            <a:endParaRPr lang="en-US"/>
-          </a:p>
-        </p:txBody>
-      </p:sp>
-      <p:pic>
-        <p:nvPicPr>
-          <p:cNvPr id="4" name="Picture 3"/>
-          <p:cNvPicPr>
-            <a:picLocks noChangeAspect="1"/>
-          </p:cNvPicPr>
-          <p:nvPr/>
-        </p:nvPicPr>
-        <p:blipFill rotWithShape="1">
-          <a:blip r:embed="rId2"/>
-          <a:srcRect t="10593"/>
-          <a:stretch/>
-        </p:blipFill>
-        <p:spPr>
-          <a:xfrm>
-            <a:off x="685801" y="2065867"/>
-            <a:ext cx="8448675" cy="4155794"/>
-          </a:xfrm>
-          <a:prstGeom prst="rect">
-            <a:avLst/>
-          </a:prstGeom>
-        </p:spPr>
-      </p:pic>
-      <p:sp>
-        <p:nvSpPr>
-          <p:cNvPr id="6" name="TextBox 5"/>
-          <p:cNvSpPr txBox="1"/>
-          <p:nvPr/>
-        </p:nvSpPr>
-        <p:spPr>
-          <a:xfrm>
-            <a:off x="6559395" y="184341"/>
-            <a:ext cx="5377962" cy="923330"/>
-          </a:xfrm>
-          <a:prstGeom prst="rect">
-            <a:avLst/>
-          </a:prstGeom>
-          <a:solidFill>
-            <a:schemeClr val="bg2">
-              <a:lumMod val="50000"/>
-            </a:schemeClr>
-          </a:solidFill>
-          <a:ln>
-            <a:solidFill>
-              <a:schemeClr val="accent1">
-                <a:lumMod val="20000"/>
-                <a:lumOff val="80000"/>
-              </a:schemeClr>
-            </a:solidFill>
-          </a:ln>
-        </p:spPr>
-        <p:txBody>
-          <a:bodyPr wrap="square" lIns="182880" tIns="182880" rIns="182880" bIns="182880" rtlCol="0">
-            <a:spAutoFit/>
-          </a:bodyPr>
-          <a:lstStyle/>
-          <a:p>
-            <a:r>
-              <a:rPr lang="en-US" dirty="0" smtClean="0"/>
-              <a:t>Now the code is refactored to use synchronous fs methods. It’s much more concise and readable. </a:t>
-            </a:r>
-            <a:endParaRPr lang="en-US" dirty="0"/>
-          </a:p>
-        </p:txBody>
-      </p:sp>
-    </p:spTree>
-    <p:extLst>
-      <p:ext uri="{BB962C8B-B14F-4D97-AF65-F5344CB8AC3E}">
-        <p14:creationId xmlns:p14="http://schemas.microsoft.com/office/powerpoint/2010/main" val="761086988"/>
-      </p:ext>
-    </p:extLst>
-  </p:cSld>
-  <p:clrMapOvr>
-    <a:masterClrMapping/>
-  </p:clrMapOvr>
-</p:sld>
-</file>
-
-<file path=ppt/slides/slide7.xml><?xml version="1.0" encoding="utf-8"?>
-<p:sld xmlns:a="http://schemas.openxmlformats.org/drawingml/2006/main" xmlns:r="http://schemas.openxmlformats.org/officeDocument/2006/relationships" xmlns:p="http://schemas.openxmlformats.org/presentationml/2006/main">
-  <p:cSld>
-    <p:spTree>
-      <p:nvGrpSpPr>
-        <p:cNvPr id="1" name=""/>
-        <p:cNvGrpSpPr/>
-        <p:nvPr/>
-      </p:nvGrpSpPr>
-      <p:grpSpPr>
-        <a:xfrm>
-          <a:off x="0" y="0"/>
-          <a:ext cx="0" cy="0"/>
-          <a:chOff x="0" y="0"/>
-          <a:chExt cx="0" cy="0"/>
-        </a:xfrm>
-      </p:grpSpPr>
-      <p:sp>
-        <p:nvSpPr>
-          <p:cNvPr id="2" name="Title 1"/>
-          <p:cNvSpPr>
-            <a:spLocks noGrp="1"/>
-          </p:cNvSpPr>
-          <p:nvPr>
-            <p:ph type="title"/>
-          </p:nvPr>
-        </p:nvSpPr>
-        <p:spPr/>
-        <p:txBody>
-          <a:bodyPr/>
-          <a:lstStyle/>
-          <a:p>
-            <a:r>
-              <a:rPr lang="en-US" dirty="0"/>
-              <a:t>Listing 5 – </a:t>
-            </a:r>
-            <a:r>
-              <a:rPr lang="en-US" dirty="0" smtClean="0"/>
-              <a:t>Introducing </a:t>
-            </a:r>
-            <a:r>
-              <a:rPr lang="en-US" dirty="0" err="1"/>
-              <a:t>readdir</a:t>
-            </a:r>
-            <a:endParaRPr lang="en-US" dirty="0"/>
-          </a:p>
-        </p:txBody>
-      </p:sp>
-      <p:pic>
-        <p:nvPicPr>
-          <p:cNvPr id="1026" name="Picture 2"/>
-          <p:cNvPicPr>
-            <a:picLocks noChangeAspect="1" noChangeArrowheads="1"/>
-          </p:cNvPicPr>
-          <p:nvPr/>
-        </p:nvPicPr>
-        <p:blipFill>
-          <a:blip r:embed="rId2">
-            <a:extLst>
-              <a:ext uri="{28A0092B-C50C-407E-A947-70E740481C1C}">
-                <a14:useLocalDpi xmlns:a14="http://schemas.microsoft.com/office/drawing/2010/main" val="0"/>
-              </a:ext>
-            </a:extLst>
-          </a:blip>
-          <a:srcRect/>
-          <a:stretch>
-            <a:fillRect/>
-          </a:stretch>
-        </p:blipFill>
-        <p:spPr bwMode="auto">
-          <a:xfrm>
-            <a:off x="688694" y="2569861"/>
-            <a:ext cx="5791200" cy="2735263"/>
-          </a:xfrm>
-          <a:prstGeom prst="rect">
-            <a:avLst/>
-          </a:prstGeom>
-          <a:noFill/>
-          <a:ln>
-            <a:noFill/>
-          </a:ln>
-          <a:extLst>
-            <a:ext uri="{909E8E84-426E-40DD-AFC4-6F175D3DCCD1}">
-              <a14:hiddenFill xmlns:a14="http://schemas.microsoft.com/office/drawing/2010/main">
-                <a:solidFill>
-                  <a:schemeClr val="accent1"/>
-                </a:solidFill>
-              </a14:hiddenFill>
-            </a:ext>
-            <a:ext uri="{91240B29-F687-4F45-9708-019B960494DF}">
-              <a14:hiddenLine xmlns:a14="http://schemas.microsoft.com/office/drawing/2010/main" w="9525">
-                <a:solidFill>
-                  <a:schemeClr val="tx1"/>
-                </a:solidFill>
-                <a:miter lim="800000"/>
-                <a:headEnd/>
-                <a:tailEnd/>
-              </a14:hiddenLine>
-            </a:ext>
-          </a:extLst>
-        </p:spPr>
-      </p:pic>
-      <p:sp>
-        <p:nvSpPr>
-          <p:cNvPr id="5" name="TextBox 4"/>
-          <p:cNvSpPr txBox="1"/>
-          <p:nvPr/>
-        </p:nvSpPr>
-        <p:spPr>
-          <a:xfrm>
-            <a:off x="6629047" y="3014162"/>
-            <a:ext cx="5377962" cy="1200329"/>
-          </a:xfrm>
-          <a:prstGeom prst="rect">
-            <a:avLst/>
-          </a:prstGeom>
-          <a:solidFill>
-            <a:schemeClr val="bg2">
-              <a:lumMod val="50000"/>
-            </a:schemeClr>
-          </a:solidFill>
-          <a:ln>
-            <a:solidFill>
-              <a:schemeClr val="accent1">
-                <a:lumMod val="20000"/>
-                <a:lumOff val="80000"/>
-              </a:schemeClr>
-            </a:solidFill>
-          </a:ln>
-        </p:spPr>
-        <p:txBody>
-          <a:bodyPr wrap="square" lIns="182880" tIns="182880" rIns="182880" bIns="182880" rtlCol="0">
-            <a:spAutoFit/>
-          </a:bodyPr>
-          <a:lstStyle/>
-          <a:p>
-            <a:r>
-              <a:rPr lang="en-US" dirty="0" smtClean="0"/>
-              <a:t>I’ve added the synchronous read directory method. I commented out the rest of the code so that we can focus on looking at how this method works.</a:t>
-            </a:r>
-            <a:endParaRPr lang="en-US" dirty="0"/>
-          </a:p>
-        </p:txBody>
-      </p:sp>
-      <p:pic>
-        <p:nvPicPr>
-          <p:cNvPr id="1027" name="Picture 3"/>
-          <p:cNvPicPr>
-            <a:picLocks noChangeAspect="1" noChangeArrowheads="1"/>
-          </p:cNvPicPr>
-          <p:nvPr/>
-        </p:nvPicPr>
-        <p:blipFill>
-          <a:blip r:embed="rId3">
-            <a:extLst>
-              <a:ext uri="{28A0092B-C50C-407E-A947-70E740481C1C}">
-                <a14:useLocalDpi xmlns:a14="http://schemas.microsoft.com/office/drawing/2010/main" val="0"/>
-              </a:ext>
-            </a:extLst>
-          </a:blip>
-          <a:srcRect/>
-          <a:stretch>
-            <a:fillRect/>
-          </a:stretch>
-        </p:blipFill>
-        <p:spPr bwMode="auto">
-          <a:xfrm>
-            <a:off x="6723259" y="5505008"/>
-            <a:ext cx="5189537" cy="754063"/>
-          </a:xfrm>
-          <a:prstGeom prst="rect">
-            <a:avLst/>
-          </a:prstGeom>
-          <a:noFill/>
-          <a:ln>
-            <a:noFill/>
-          </a:ln>
-          <a:extLst>
-            <a:ext uri="{909E8E84-426E-40DD-AFC4-6F175D3DCCD1}">
-              <a14:hiddenFill xmlns:a14="http://schemas.microsoft.com/office/drawing/2010/main">
-                <a:solidFill>
-                  <a:schemeClr val="accent1"/>
-                </a:solidFill>
-              </a14:hiddenFill>
-            </a:ext>
-            <a:ext uri="{91240B29-F687-4F45-9708-019B960494DF}">
-              <a14:hiddenLine xmlns:a14="http://schemas.microsoft.com/office/drawing/2010/main" w="9525">
-                <a:solidFill>
-                  <a:schemeClr val="tx1"/>
-                </a:solidFill>
-                <a:miter lim="800000"/>
-                <a:headEnd/>
-                <a:tailEnd/>
-              </a14:hiddenLine>
-            </a:ext>
-          </a:extLst>
-        </p:spPr>
-      </p:pic>
-      <p:sp>
-        <p:nvSpPr>
-          <p:cNvPr id="4" name="Rectangle 3"/>
-          <p:cNvSpPr/>
-          <p:nvPr/>
-        </p:nvSpPr>
-        <p:spPr>
-          <a:xfrm>
-            <a:off x="4047281" y="5602147"/>
-            <a:ext cx="1886673" cy="656924"/>
-          </a:xfrm>
-          <a:prstGeom prst="rect">
-            <a:avLst/>
-          </a:prstGeom>
-        </p:spPr>
-        <p:style>
-          <a:lnRef idx="2">
-            <a:schemeClr val="accent6"/>
-          </a:lnRef>
-          <a:fillRef idx="1">
-            <a:schemeClr val="lt1"/>
-          </a:fillRef>
-          <a:effectRef idx="0">
-            <a:schemeClr val="accent6"/>
-          </a:effectRef>
-          <a:fontRef idx="minor">
-            <a:schemeClr val="dk1"/>
-          </a:fontRef>
-        </p:style>
-        <p:txBody>
-          <a:bodyPr rtlCol="0" anchor="ctr"/>
-          <a:lstStyle/>
-          <a:p>
-            <a:pPr algn="ctr"/>
-            <a:r>
-              <a:rPr lang="en-US" dirty="0" smtClean="0"/>
-              <a:t>Array of file names</a:t>
-            </a:r>
-            <a:endParaRPr lang="en-US" dirty="0"/>
-          </a:p>
-        </p:txBody>
-      </p:sp>
-      <p:sp>
-        <p:nvSpPr>
-          <p:cNvPr id="6" name="TextBox 5"/>
-          <p:cNvSpPr txBox="1"/>
-          <p:nvPr/>
-        </p:nvSpPr>
-        <p:spPr>
-          <a:xfrm>
-            <a:off x="6723259" y="5146468"/>
-            <a:ext cx="3633871" cy="369332"/>
-          </a:xfrm>
-          <a:prstGeom prst="rect">
-            <a:avLst/>
-          </a:prstGeom>
-          <a:noFill/>
-        </p:spPr>
-        <p:txBody>
-          <a:bodyPr wrap="square" rtlCol="0">
-            <a:spAutoFit/>
-          </a:bodyPr>
-          <a:lstStyle/>
-          <a:p>
-            <a:r>
-              <a:rPr lang="en-US" b="1" dirty="0" smtClean="0"/>
-              <a:t>Console output</a:t>
-            </a:r>
-            <a:endParaRPr lang="en-US" b="1" dirty="0"/>
-          </a:p>
-        </p:txBody>
-      </p:sp>
-      <p:cxnSp>
-        <p:nvCxnSpPr>
-          <p:cNvPr id="8" name="Straight Arrow Connector 7"/>
-          <p:cNvCxnSpPr/>
-          <p:nvPr/>
-        </p:nvCxnSpPr>
-        <p:spPr>
-          <a:xfrm>
-            <a:off x="5671594" y="5930609"/>
-            <a:ext cx="1180618" cy="0"/>
-          </a:xfrm>
-          <a:prstGeom prst="straightConnector1">
-            <a:avLst/>
-          </a:prstGeom>
-          <a:ln w="76200">
-            <a:tailEnd type="arrow"/>
-          </a:ln>
-        </p:spPr>
-        <p:style>
-          <a:lnRef idx="1">
-            <a:schemeClr val="accent1"/>
-          </a:lnRef>
-          <a:fillRef idx="0">
-            <a:schemeClr val="accent1"/>
-          </a:fillRef>
-          <a:effectRef idx="0">
-            <a:schemeClr val="accent1"/>
-          </a:effectRef>
-          <a:fontRef idx="minor">
-            <a:schemeClr val="tx1"/>
-          </a:fontRef>
-        </p:style>
-      </p:cxnSp>
-    </p:spTree>
-    <p:extLst>
-      <p:ext uri="{BB962C8B-B14F-4D97-AF65-F5344CB8AC3E}">
-        <p14:creationId xmlns:p14="http://schemas.microsoft.com/office/powerpoint/2010/main" val="3091865431"/>
-      </p:ext>
-    </p:extLst>
-  </p:cSld>
-  <p:clrMapOvr>
-    <a:masterClrMapping/>
-  </p:clrMapOvr>
-</p:sld>
-</file>
-
-<file path=ppt/slides/slide8.xml><?xml version="1.0" encoding="utf-8"?>
-<p:sld xmlns:a="http://schemas.openxmlformats.org/drawingml/2006/main" xmlns:r="http://schemas.openxmlformats.org/officeDocument/2006/relationships" xmlns:p="http://schemas.openxmlformats.org/presentationml/2006/main">
-  <p:cSld>
-    <p:spTree>
-      <p:nvGrpSpPr>
-        <p:cNvPr id="1" name=""/>
-        <p:cNvGrpSpPr/>
-        <p:nvPr/>
-      </p:nvGrpSpPr>
-      <p:grpSpPr>
-        <a:xfrm>
-          <a:off x="0" y="0"/>
-          <a:ext cx="0" cy="0"/>
-          <a:chOff x="0" y="0"/>
-          <a:chExt cx="0" cy="0"/>
-        </a:xfrm>
-      </p:grpSpPr>
-      <p:sp>
-        <p:nvSpPr>
-          <p:cNvPr id="2" name="Title 1"/>
-          <p:cNvSpPr>
-            <a:spLocks noGrp="1"/>
-          </p:cNvSpPr>
-          <p:nvPr>
-            <p:ph type="title"/>
-          </p:nvPr>
-        </p:nvSpPr>
-        <p:spPr/>
-        <p:txBody>
-          <a:bodyPr/>
-          <a:lstStyle/>
-          <a:p>
-            <a:r>
-              <a:rPr lang="en-US" dirty="0" err="1" smtClean="0"/>
-              <a:t>fs.readdirSync</a:t>
-            </a:r>
-            <a:endParaRPr lang="en-US" dirty="0"/>
-          </a:p>
-        </p:txBody>
-      </p:sp>
-      <p:sp>
-        <p:nvSpPr>
-          <p:cNvPr id="5" name="Rectangle 4"/>
-          <p:cNvSpPr/>
-          <p:nvPr/>
-        </p:nvSpPr>
-        <p:spPr>
-          <a:xfrm>
-            <a:off x="5845562" y="653304"/>
-            <a:ext cx="6096000" cy="1815882"/>
-          </a:xfrm>
-          <a:prstGeom prst="rect">
-            <a:avLst/>
-          </a:prstGeom>
-          <a:solidFill>
-            <a:schemeClr val="tx1"/>
-          </a:solidFill>
-        </p:spPr>
-        <p:txBody>
-          <a:bodyPr>
-            <a:spAutoFit/>
-          </a:bodyPr>
-          <a:lstStyle/>
-          <a:p>
-            <a:r>
-              <a:rPr lang="en-US" sz="1600" b="1" dirty="0" err="1">
-                <a:solidFill>
-                  <a:sysClr val="windowText" lastClr="000000"/>
-                </a:solidFill>
-              </a:rPr>
-              <a:t>fs.readdirSync</a:t>
-            </a:r>
-            <a:r>
-              <a:rPr lang="en-US" sz="1600" b="1" dirty="0">
-                <a:solidFill>
-                  <a:sysClr val="windowText" lastClr="000000"/>
-                </a:solidFill>
-              </a:rPr>
-              <a:t>(path[, options</a:t>
-            </a:r>
-            <a:r>
-              <a:rPr lang="en-US" sz="1600" b="1" dirty="0" smtClean="0">
-                <a:solidFill>
-                  <a:sysClr val="windowText" lastClr="000000"/>
-                </a:solidFill>
-              </a:rPr>
-              <a:t>])</a:t>
-            </a:r>
-            <a:endParaRPr lang="en-US" sz="1600" b="1" dirty="0">
-              <a:solidFill>
-                <a:sysClr val="windowText" lastClr="000000"/>
-              </a:solidFill>
-            </a:endParaRPr>
-          </a:p>
-          <a:p>
-            <a:r>
-              <a:rPr lang="en-US" sz="1600" dirty="0">
-                <a:solidFill>
-                  <a:sysClr val="windowText" lastClr="000000"/>
-                </a:solidFill>
-              </a:rPr>
-              <a:t>Added in: v0.1.21</a:t>
-            </a:r>
-          </a:p>
-          <a:p>
-            <a:pPr marL="285750" indent="-285750">
-              <a:buFont typeface="Arial" panose="020B0604020202020204" pitchFamily="34" charset="0"/>
-              <a:buChar char="•"/>
-            </a:pPr>
-            <a:r>
-              <a:rPr lang="en-US" sz="1600" dirty="0">
-                <a:solidFill>
-                  <a:sysClr val="windowText" lastClr="000000"/>
-                </a:solidFill>
-              </a:rPr>
-              <a:t>path </a:t>
-            </a:r>
-            <a:r>
-              <a:rPr lang="en-US" sz="1600" dirty="0" smtClean="0">
-                <a:solidFill>
-                  <a:sysClr val="windowText" lastClr="000000"/>
-                </a:solidFill>
-              </a:rPr>
-              <a:t> &lt;</a:t>
-            </a:r>
-            <a:r>
-              <a:rPr lang="en-US" sz="1600" dirty="0">
-                <a:solidFill>
-                  <a:sysClr val="windowText" lastClr="000000"/>
-                </a:solidFill>
-              </a:rPr>
-              <a:t>String&gt; | &lt;Buffer&gt;</a:t>
-            </a:r>
-          </a:p>
-          <a:p>
-            <a:pPr marL="285750" indent="-285750">
-              <a:buFont typeface="Arial" panose="020B0604020202020204" pitchFamily="34" charset="0"/>
-              <a:buChar char="•"/>
-            </a:pPr>
-            <a:r>
-              <a:rPr lang="en-US" sz="1600" dirty="0">
-                <a:solidFill>
-                  <a:sysClr val="windowText" lastClr="000000"/>
-                </a:solidFill>
-              </a:rPr>
-              <a:t>options </a:t>
-            </a:r>
-            <a:r>
-              <a:rPr lang="en-US" sz="1600" dirty="0" smtClean="0">
-                <a:solidFill>
-                  <a:sysClr val="windowText" lastClr="000000"/>
-                </a:solidFill>
-              </a:rPr>
-              <a:t> &lt;</a:t>
-            </a:r>
-            <a:r>
-              <a:rPr lang="en-US" sz="1600" dirty="0">
-                <a:solidFill>
-                  <a:sysClr val="windowText" lastClr="000000"/>
-                </a:solidFill>
-              </a:rPr>
-              <a:t>String&gt; | &lt;Object&gt;</a:t>
-            </a:r>
-          </a:p>
-          <a:p>
-            <a:pPr marL="742950" lvl="1" indent="-285750">
-              <a:buFont typeface="Arial" panose="020B0604020202020204" pitchFamily="34" charset="0"/>
-              <a:buChar char="•"/>
-            </a:pPr>
-            <a:r>
-              <a:rPr lang="en-US" sz="1600" dirty="0">
-                <a:solidFill>
-                  <a:sysClr val="windowText" lastClr="000000"/>
-                </a:solidFill>
-              </a:rPr>
-              <a:t>encoding &lt;String&gt; default = 'utf8'</a:t>
-            </a:r>
-          </a:p>
-          <a:p>
-            <a:r>
-              <a:rPr lang="en-US" sz="1600" dirty="0">
-                <a:solidFill>
-                  <a:sysClr val="windowText" lastClr="000000"/>
-                </a:solidFill>
-              </a:rPr>
-              <a:t>Synchronous </a:t>
-            </a:r>
-            <a:r>
-              <a:rPr lang="en-US" sz="1600" dirty="0" err="1">
-                <a:solidFill>
-                  <a:sysClr val="windowText" lastClr="000000"/>
-                </a:solidFill>
-              </a:rPr>
-              <a:t>readdir</a:t>
-            </a:r>
-            <a:r>
-              <a:rPr lang="en-US" sz="1600" dirty="0">
-                <a:solidFill>
-                  <a:sysClr val="windowText" lastClr="000000"/>
-                </a:solidFill>
-              </a:rPr>
-              <a:t>(3). Returns an array of filenames excluding '.' and '..'.</a:t>
-            </a:r>
-          </a:p>
-        </p:txBody>
-      </p:sp>
-      <p:sp>
-        <p:nvSpPr>
-          <p:cNvPr id="6" name="Rectangle 5"/>
-          <p:cNvSpPr/>
-          <p:nvPr/>
-        </p:nvSpPr>
-        <p:spPr>
-          <a:xfrm>
-            <a:off x="5809128" y="191429"/>
-            <a:ext cx="3084434" cy="369332"/>
-          </a:xfrm>
-          <a:prstGeom prst="rect">
-            <a:avLst/>
-          </a:prstGeom>
-        </p:spPr>
-        <p:txBody>
-          <a:bodyPr wrap="none">
-            <a:spAutoFit/>
-          </a:bodyPr>
-          <a:lstStyle/>
-          <a:p>
-            <a:r>
-              <a:rPr lang="en-US" b="1" dirty="0"/>
-              <a:t>Node.js v6.2.2 Documentation</a:t>
-            </a:r>
-          </a:p>
-        </p:txBody>
-      </p:sp>
-      <p:sp>
-        <p:nvSpPr>
-          <p:cNvPr id="7" name="Right Brace 6"/>
-          <p:cNvSpPr/>
-          <p:nvPr/>
-        </p:nvSpPr>
-        <p:spPr>
-          <a:xfrm>
-            <a:off x="2508894" y="2811668"/>
-            <a:ext cx="756138" cy="3552092"/>
-          </a:xfrm>
-          <a:prstGeom prst="rightBrace">
-            <a:avLst/>
-          </a:prstGeom>
-          <a:ln>
-            <a:solidFill>
-              <a:schemeClr val="accent1">
-                <a:lumMod val="20000"/>
-                <a:lumOff val="80000"/>
-              </a:schemeClr>
-            </a:solidFill>
-          </a:ln>
-        </p:spPr>
-        <p:style>
-          <a:lnRef idx="3">
-            <a:schemeClr val="accent6"/>
-          </a:lnRef>
-          <a:fillRef idx="0">
-            <a:schemeClr val="accent6"/>
-          </a:fillRef>
-          <a:effectRef idx="2">
-            <a:schemeClr val="accent6"/>
-          </a:effectRef>
-          <a:fontRef idx="minor">
-            <a:schemeClr val="tx1"/>
-          </a:fontRef>
-        </p:style>
-        <p:txBody>
-          <a:bodyPr rtlCol="0" anchor="ctr"/>
-          <a:lstStyle/>
-          <a:p>
-            <a:pPr algn="ctr"/>
-            <a:endParaRPr lang="en-US"/>
-          </a:p>
-        </p:txBody>
-      </p:sp>
-      <p:sp>
-        <p:nvSpPr>
-          <p:cNvPr id="8" name="Oval 7"/>
-          <p:cNvSpPr/>
-          <p:nvPr/>
-        </p:nvSpPr>
-        <p:spPr>
-          <a:xfrm>
-            <a:off x="3431977" y="3819392"/>
-            <a:ext cx="1536644" cy="1536644"/>
-          </a:xfrm>
-          <a:prstGeom prst="ellipse">
-            <a:avLst/>
-          </a:prstGeom>
-        </p:spPr>
-        <p:style>
-          <a:lnRef idx="1">
-            <a:schemeClr val="dk1"/>
-          </a:lnRef>
-          <a:fillRef idx="3">
-            <a:schemeClr val="dk1"/>
-          </a:fillRef>
-          <a:effectRef idx="2">
-            <a:schemeClr val="dk1"/>
-          </a:effectRef>
-          <a:fontRef idx="minor">
-            <a:schemeClr val="lt1"/>
-          </a:fontRef>
-        </p:style>
-        <p:txBody>
-          <a:bodyPr rtlCol="0" anchor="ctr"/>
-          <a:lstStyle/>
-          <a:p>
-            <a:pPr algn="ctr"/>
-            <a:endParaRPr lang="en-US" dirty="0"/>
-          </a:p>
-        </p:txBody>
-      </p:sp>
-      <p:sp>
-        <p:nvSpPr>
-          <p:cNvPr id="9" name="Left Brace 8"/>
-          <p:cNvSpPr/>
-          <p:nvPr/>
-        </p:nvSpPr>
-        <p:spPr>
-          <a:xfrm>
-            <a:off x="5135566" y="2789687"/>
-            <a:ext cx="817684" cy="3596053"/>
-          </a:xfrm>
-          <a:prstGeom prst="leftBrace">
-            <a:avLst/>
-          </a:prstGeom>
-          <a:ln>
-            <a:solidFill>
-              <a:schemeClr val="accent1">
-                <a:lumMod val="20000"/>
-                <a:lumOff val="80000"/>
-              </a:schemeClr>
-            </a:solidFill>
-          </a:ln>
-        </p:spPr>
-        <p:style>
-          <a:lnRef idx="3">
-            <a:schemeClr val="accent6"/>
-          </a:lnRef>
-          <a:fillRef idx="0">
-            <a:schemeClr val="accent6"/>
-          </a:fillRef>
-          <a:effectRef idx="2">
-            <a:schemeClr val="accent6"/>
-          </a:effectRef>
-          <a:fontRef idx="minor">
-            <a:schemeClr val="tx1"/>
-          </a:fontRef>
-        </p:style>
-        <p:txBody>
-          <a:bodyPr rtlCol="0" anchor="ctr"/>
-          <a:lstStyle/>
-          <a:p>
-            <a:pPr algn="ctr"/>
-            <a:endParaRPr lang="en-US"/>
-          </a:p>
-        </p:txBody>
-      </p:sp>
-      <p:sp>
-        <p:nvSpPr>
-          <p:cNvPr id="10" name="TextBox 9"/>
-          <p:cNvSpPr txBox="1"/>
-          <p:nvPr/>
-        </p:nvSpPr>
-        <p:spPr>
-          <a:xfrm>
-            <a:off x="1203914" y="2580835"/>
-            <a:ext cx="992579" cy="461665"/>
-          </a:xfrm>
-          <a:prstGeom prst="rect">
-            <a:avLst/>
-          </a:prstGeom>
-          <a:noFill/>
-        </p:spPr>
-        <p:txBody>
-          <a:bodyPr wrap="none" rtlCol="0">
-            <a:spAutoFit/>
-          </a:bodyPr>
-          <a:lstStyle/>
-          <a:p>
-            <a:r>
-              <a:rPr lang="en-US" sz="2400" b="1" dirty="0"/>
-              <a:t>Inputs</a:t>
-            </a:r>
-          </a:p>
-        </p:txBody>
-      </p:sp>
-      <p:sp>
-        <p:nvSpPr>
-          <p:cNvPr id="11" name="TextBox 10"/>
-          <p:cNvSpPr txBox="1"/>
-          <p:nvPr/>
-        </p:nvSpPr>
-        <p:spPr>
-          <a:xfrm>
-            <a:off x="6275576" y="2580835"/>
-            <a:ext cx="1226618" cy="461665"/>
-          </a:xfrm>
-          <a:prstGeom prst="rect">
-            <a:avLst/>
-          </a:prstGeom>
-          <a:noFill/>
-        </p:spPr>
-        <p:txBody>
-          <a:bodyPr wrap="none" rtlCol="0">
-            <a:spAutoFit/>
-          </a:bodyPr>
-          <a:lstStyle/>
-          <a:p>
-            <a:r>
-              <a:rPr lang="en-US" sz="2400" b="1" dirty="0"/>
-              <a:t>Outputs</a:t>
-            </a:r>
-          </a:p>
-        </p:txBody>
-      </p:sp>
-      <p:grpSp>
-        <p:nvGrpSpPr>
-          <p:cNvPr id="29" name="Group 28"/>
-          <p:cNvGrpSpPr/>
-          <p:nvPr/>
-        </p:nvGrpSpPr>
-        <p:grpSpPr>
-          <a:xfrm>
-            <a:off x="1013460" y="3368928"/>
-            <a:ext cx="1206266" cy="2437569"/>
-            <a:chOff x="1013460" y="3086100"/>
-            <a:chExt cx="1206266" cy="2437569"/>
-          </a:xfrm>
-        </p:grpSpPr>
-        <p:pic>
-          <p:nvPicPr>
-            <p:cNvPr id="2050" name="Picture 2" descr="C:\Users\h175225\Documents\Resources\icon-sets\WindowsIcons-master\WindowsIcons-master\WindowsPhone\light\appbar.folder.png"/>
+            <p:cNvPr id="8" name="Picture 2" descr="C:\Users\h175225\Documents\Resources\icon-sets\WindowsIcons-master\WindowsIcons-master\WindowsPhone\light\appbar.folder.png"/>
             <p:cNvPicPr>
               <a:picLocks noChangeAspect="1" noChangeArrowheads="1"/>
             </p:cNvPicPr>
             <p:nvPr/>
           </p:nvPicPr>
           <p:blipFill rotWithShape="1">
-            <a:blip r:embed="rId2">
+            <a:blip r:embed="rId3">
               <a:extLst>
                 <a:ext uri="{28A0092B-C50C-407E-A947-70E740481C1C}">
                   <a14:useLocalDpi xmlns:a14="http://schemas.microsoft.com/office/drawing/2010/main" val="0"/>
@@ -8438,14 +6445,14 @@
         </p:pic>
         <p:pic>
           <p:nvPicPr>
-            <p:cNvPr id="2052" name="Picture 4" descr="C:\Users\h175225\Documents\Resources\icon-sets\WindowsIcons-master\WindowsIcons-master\WindowsPhone\light\appbar.page.solid.png"/>
+            <p:cNvPr id="9" name="Picture 4" descr="C:\Users\h175225\Documents\Resources\icon-sets\WindowsIcons-master\WindowsIcons-master\WindowsPhone\light\appbar.page.solid.png"/>
             <p:cNvPicPr>
               <a:picLocks noChangeAspect="1" noChangeArrowheads="1"/>
             </p:cNvPicPr>
             <p:nvPr/>
           </p:nvPicPr>
           <p:blipFill>
-            <a:blip r:embed="rId3">
+            <a:blip r:embed="rId4">
               <a:extLst>
                 <a:ext uri="{28A0092B-C50C-407E-A947-70E740481C1C}">
                   <a14:useLocalDpi xmlns:a14="http://schemas.microsoft.com/office/drawing/2010/main" val="0"/>
@@ -8479,14 +6486,14 @@
         </p:pic>
         <p:pic>
           <p:nvPicPr>
-            <p:cNvPr id="15" name="Picture 4" descr="C:\Users\h175225\Documents\Resources\icon-sets\WindowsIcons-master\WindowsIcons-master\WindowsPhone\light\appbar.page.solid.png"/>
+            <p:cNvPr id="10" name="Picture 4" descr="C:\Users\h175225\Documents\Resources\icon-sets\WindowsIcons-master\WindowsIcons-master\WindowsPhone\light\appbar.page.solid.png"/>
             <p:cNvPicPr>
               <a:picLocks noChangeAspect="1" noChangeArrowheads="1"/>
             </p:cNvPicPr>
             <p:nvPr/>
           </p:nvPicPr>
           <p:blipFill>
-            <a:blip r:embed="rId3">
+            <a:blip r:embed="rId4">
               <a:extLst>
                 <a:ext uri="{28A0092B-C50C-407E-A947-70E740481C1C}">
                   <a14:useLocalDpi xmlns:a14="http://schemas.microsoft.com/office/drawing/2010/main" val="0"/>
@@ -8520,14 +6527,14 @@
         </p:pic>
         <p:pic>
           <p:nvPicPr>
-            <p:cNvPr id="16" name="Picture 4" descr="C:\Users\h175225\Documents\Resources\icon-sets\WindowsIcons-master\WindowsIcons-master\WindowsPhone\light\appbar.page.solid.png"/>
+            <p:cNvPr id="11" name="Picture 4" descr="C:\Users\h175225\Documents\Resources\icon-sets\WindowsIcons-master\WindowsIcons-master\WindowsPhone\light\appbar.page.solid.png"/>
             <p:cNvPicPr>
               <a:picLocks noChangeAspect="1" noChangeArrowheads="1"/>
             </p:cNvPicPr>
             <p:nvPr/>
           </p:nvPicPr>
           <p:blipFill>
-            <a:blip r:embed="rId3">
+            <a:blip r:embed="rId4">
               <a:extLst>
                 <a:ext uri="{28A0092B-C50C-407E-A947-70E740481C1C}">
                   <a14:useLocalDpi xmlns:a14="http://schemas.microsoft.com/office/drawing/2010/main" val="0"/>
@@ -8561,10 +6568,10 @@
         </p:pic>
         <p:cxnSp>
           <p:nvCxnSpPr>
-            <p:cNvPr id="13" name="Elbow Connector 12"/>
+            <p:cNvPr id="12" name="Elbow Connector 11"/>
             <p:cNvCxnSpPr>
-              <a:stCxn id="2050" idx="2"/>
-              <a:endCxn id="2052" idx="1"/>
+              <a:stCxn id="8" idx="2"/>
+              <a:endCxn id="9" idx="1"/>
             </p:cNvCxnSpPr>
             <p:nvPr/>
           </p:nvCxnSpPr>
@@ -8594,10 +6601,10 @@
         </p:cxnSp>
         <p:cxnSp>
           <p:nvCxnSpPr>
-            <p:cNvPr id="24" name="Elbow Connector 23"/>
+            <p:cNvPr id="13" name="Elbow Connector 12"/>
             <p:cNvCxnSpPr>
-              <a:stCxn id="2050" idx="2"/>
-              <a:endCxn id="15" idx="1"/>
+              <a:stCxn id="8" idx="2"/>
+              <a:endCxn id="10" idx="1"/>
             </p:cNvCxnSpPr>
             <p:nvPr/>
           </p:nvCxnSpPr>
@@ -8627,10 +6634,10 @@
         </p:cxnSp>
         <p:cxnSp>
           <p:nvCxnSpPr>
-            <p:cNvPr id="27" name="Elbow Connector 26"/>
+            <p:cNvPr id="14" name="Elbow Connector 13"/>
             <p:cNvCxnSpPr>
-              <a:stCxn id="2050" idx="2"/>
-              <a:endCxn id="16" idx="1"/>
+              <a:stCxn id="8" idx="2"/>
+              <a:endCxn id="11" idx="1"/>
             </p:cNvCxnSpPr>
             <p:nvPr/>
           </p:nvCxnSpPr>
@@ -8659,83 +6666,224 @@
           </p:style>
         </p:cxnSp>
       </p:grpSp>
-      <p:sp>
-        <p:nvSpPr>
-          <p:cNvPr id="26" name="Rectangle 25"/>
-          <p:cNvSpPr/>
+      <p:pic>
+        <p:nvPicPr>
+          <p:cNvPr id="15" name="Picture 14" descr="excelfile png definición de excel celda rango etiquetas de hoja"/>
+          <p:cNvPicPr>
+            <a:picLocks noChangeAspect="1"/>
+          </p:cNvPicPr>
           <p:nvPr/>
-        </p:nvSpPr>
-        <p:spPr>
-          <a:xfrm>
-            <a:off x="6435596" y="4949664"/>
-            <a:ext cx="4069080" cy="887890"/>
+        </p:nvPicPr>
+        <p:blipFill>
+          <a:blip r:embed="rId2"/>
+          <a:stretch>
+            <a:fillRect/>
+          </a:stretch>
+        </p:blipFill>
+        <p:spPr>
+          <a:xfrm>
+            <a:off x="816612" y="2453453"/>
+            <a:ext cx="546686" cy="546686"/>
           </a:xfrm>
           <a:prstGeom prst="rect">
             <a:avLst/>
           </a:prstGeom>
         </p:spPr>
+      </p:pic>
+      <p:pic>
+        <p:nvPicPr>
+          <p:cNvPr id="16" name="Picture 15" descr="excelfile png definición de excel celda rango etiquetas de hoja"/>
+          <p:cNvPicPr>
+            <a:picLocks noChangeAspect="1"/>
+          </p:cNvPicPr>
+          <p:nvPr/>
+        </p:nvPicPr>
+        <p:blipFill>
+          <a:blip r:embed="rId2"/>
+          <a:stretch>
+            <a:fillRect/>
+          </a:stretch>
+        </p:blipFill>
+        <p:spPr>
+          <a:xfrm>
+            <a:off x="740117" y="2354792"/>
+            <a:ext cx="546686" cy="546686"/>
+          </a:xfrm>
+          <a:prstGeom prst="rect">
+            <a:avLst/>
+          </a:prstGeom>
+        </p:spPr>
+      </p:pic>
+      <p:pic>
+        <p:nvPicPr>
+          <p:cNvPr id="17" name="Picture 16" descr="excelfile png definición de excel celda rango etiquetas de hoja"/>
+          <p:cNvPicPr>
+            <a:picLocks noChangeAspect="1"/>
+          </p:cNvPicPr>
+          <p:nvPr/>
+        </p:nvPicPr>
+        <p:blipFill>
+          <a:blip r:embed="rId2"/>
+          <a:stretch>
+            <a:fillRect/>
+          </a:stretch>
+        </p:blipFill>
+        <p:spPr>
+          <a:xfrm>
+            <a:off x="1848550" y="2453111"/>
+            <a:ext cx="546686" cy="546686"/>
+          </a:xfrm>
+          <a:prstGeom prst="rect">
+            <a:avLst/>
+          </a:prstGeom>
+        </p:spPr>
+      </p:pic>
+      <p:sp>
+        <p:nvSpPr>
+          <p:cNvPr id="18" name="Up Arrow Callout 17"/>
+          <p:cNvSpPr/>
+          <p:nvPr/>
+        </p:nvSpPr>
+        <p:spPr>
+          <a:xfrm rot="5400000">
+            <a:off x="752030" y="2210967"/>
+            <a:ext cx="965885" cy="1030974"/>
+          </a:xfrm>
+          <a:prstGeom prst="upArrowCallout">
+            <a:avLst>
+              <a:gd name="adj1" fmla="val 21020"/>
+              <a:gd name="adj2" fmla="val 18238"/>
+              <a:gd name="adj3" fmla="val 19204"/>
+              <a:gd name="adj4" fmla="val 74852"/>
+            </a:avLst>
+          </a:prstGeom>
+          <a:noFill/>
+          <a:ln w="12700">
+            <a:solidFill>
+              <a:schemeClr val="accent1">
+                <a:lumMod val="20000"/>
+                <a:lumOff val="80000"/>
+              </a:schemeClr>
+            </a:solidFill>
+            <a:prstDash val="sysDot"/>
+          </a:ln>
+        </p:spPr>
         <p:style>
           <a:lnRef idx="2">
-            <a:schemeClr val="dk1">
+            <a:schemeClr val="accent1">
               <a:shade val="50000"/>
             </a:schemeClr>
           </a:lnRef>
           <a:fillRef idx="1">
-            <a:schemeClr val="dk1"/>
+            <a:schemeClr val="accent1"/>
           </a:fillRef>
           <a:effectRef idx="0">
-            <a:schemeClr val="dk1"/>
+            <a:schemeClr val="accent1"/>
           </a:effectRef>
           <a:fontRef idx="minor">
             <a:schemeClr val="lt1"/>
           </a:fontRef>
         </p:style>
         <p:txBody>
-          <a:bodyPr lIns="365760" rIns="365760" rtlCol="0" anchor="ctr"/>
+          <a:bodyPr rtlCol="0" anchor="ctr"/>
           <a:lstStyle/>
           <a:p>
-            <a:r>
-              <a:rPr lang="en-US" dirty="0" smtClean="0"/>
-              <a:t>[   ‘file1.csv’,  ‘file2.csv’, ‘file3.csv’  ]</a:t>
-            </a:r>
-            <a:endParaRPr lang="en-US" dirty="0"/>
-          </a:p>
-        </p:txBody>
-      </p:sp>
-      <p:sp>
-        <p:nvSpPr>
-          <p:cNvPr id="28" name="Rectangle 27"/>
-          <p:cNvSpPr/>
+            <a:pPr algn="ctr"/>
+            <a:endParaRPr lang="en-US"/>
+          </a:p>
+        </p:txBody>
+      </p:sp>
+      <p:sp>
+        <p:nvSpPr>
+          <p:cNvPr id="19" name="TextBox 18"/>
+          <p:cNvSpPr txBox="1"/>
           <p:nvPr/>
         </p:nvSpPr>
         <p:spPr>
           <a:xfrm>
-            <a:off x="3447144" y="4403047"/>
-            <a:ext cx="1506310" cy="369332"/>
+            <a:off x="2493326" y="3277995"/>
+            <a:ext cx="4995663" cy="369332"/>
           </a:xfrm>
           <a:prstGeom prst="rect">
             <a:avLst/>
           </a:prstGeom>
-        </p:spPr>
-        <p:txBody>
-          <a:bodyPr wrap="none">
+          <a:noFill/>
+        </p:spPr>
+        <p:txBody>
+          <a:bodyPr wrap="none" rtlCol="0">
             <a:spAutoFit/>
           </a:bodyPr>
           <a:lstStyle/>
           <a:p>
-            <a:pPr algn="ctr"/>
-            <a:r>
-              <a:rPr lang="en-US" dirty="0" err="1"/>
-              <a:t>fs.readdirSync</a:t>
-            </a:r>
-            <a:endParaRPr lang="en-US" dirty="0"/>
+            <a:r>
+              <a:rPr lang="en-US" dirty="0"/>
+              <a:t>Make comparisons of files and report on deviations</a:t>
+            </a:r>
+          </a:p>
+        </p:txBody>
+      </p:sp>
+      <p:sp>
+        <p:nvSpPr>
+          <p:cNvPr id="20" name="TextBox 19"/>
+          <p:cNvSpPr txBox="1"/>
+          <p:nvPr/>
+        </p:nvSpPr>
+        <p:spPr>
+          <a:xfrm>
+            <a:off x="3084265" y="3698338"/>
+            <a:ext cx="908134" cy="369332"/>
+          </a:xfrm>
+          <a:prstGeom prst="rect">
+            <a:avLst/>
+          </a:prstGeom>
+          <a:noFill/>
+        </p:spPr>
+        <p:txBody>
+          <a:bodyPr wrap="none" rtlCol="0">
+            <a:spAutoFit/>
+          </a:bodyPr>
+          <a:lstStyle/>
+          <a:p>
+            <a:r>
+              <a:rPr lang="en-US" dirty="0"/>
+              <a:t>Logging</a:t>
+            </a:r>
+          </a:p>
+        </p:txBody>
+      </p:sp>
+      <p:sp>
+        <p:nvSpPr>
+          <p:cNvPr id="21" name="TextBox 20"/>
+          <p:cNvSpPr txBox="1"/>
+          <p:nvPr/>
+        </p:nvSpPr>
+        <p:spPr>
+          <a:xfrm>
+            <a:off x="3084265" y="4163627"/>
+            <a:ext cx="1123513" cy="369332"/>
+          </a:xfrm>
+          <a:prstGeom prst="rect">
+            <a:avLst/>
+          </a:prstGeom>
+          <a:noFill/>
+        </p:spPr>
+        <p:txBody>
+          <a:bodyPr wrap="none" rtlCol="0">
+            <a:spAutoFit/>
+          </a:bodyPr>
+          <a:lstStyle/>
+          <a:p>
+            <a:r>
+              <a:rPr lang="en-US" dirty="0"/>
+              <a:t>Validation</a:t>
+            </a:r>
           </a:p>
         </p:txBody>
       </p:sp>
     </p:spTree>
     <p:extLst>
       <p:ext uri="{BB962C8B-B14F-4D97-AF65-F5344CB8AC3E}">
-        <p14:creationId xmlns:p14="http://schemas.microsoft.com/office/powerpoint/2010/main" val="1813583687"/>
+        <p14:creationId xmlns:p14="http://schemas.microsoft.com/office/powerpoint/2010/main" val="1006677381"/>
       </p:ext>
     </p:extLst>
   </p:cSld>
@@ -8988,7 +7136,7 @@
   <a:extraClrSchemeLst/>
   <a:extLst>
     <a:ext uri="{05A4C25C-085E-4340-85A3-A5531E510DB2}">
-      <thm15:themeFamily xmlns:thm15="http://schemas.microsoft.com/office/thememl/2012/main" xmlns="" name="Celestial" id="{C4BB2A3D-0E93-4C5F-B0D2-9D3FCE089CC5}" vid="{E44E6A2F-09CD-4BE0-B42D-107FF03CEED6}"/>
+      <thm15:themeFamily xmlns:thm15="http://schemas.microsoft.com/office/thememl/2012/main" name="Celestial" id="{C4BB2A3D-0E93-4C5F-B0D2-9D3FCE089CC5}" vid="{E44E6A2F-09CD-4BE0-B42D-107FF03CEED6}"/>
     </a:ext>
   </a:extLst>
 </a:theme>
@@ -9283,7 +7431,7 @@
   <a:extraClrSchemeLst/>
   <a:extLst>
     <a:ext uri="{05A4C25C-085E-4340-85A3-A5531E510DB2}">
-      <thm15:themeFamily xmlns:thm15="http://schemas.microsoft.com/office/thememl/2012/main" xmlns="" name="Office Theme" id="{62F939B6-93AF-4DB8-9C6B-D6C7DFDC589F}" vid="{4A3C46E8-61CC-4603-A589-7422A47A8E4A}"/>
+      <thm15:themeFamily xmlns:thm15="http://schemas.microsoft.com/office/thememl/2012/main" name="Office Theme" id="{62F939B6-93AF-4DB8-9C6B-D6C7DFDC589F}" vid="{4A3C46E8-61CC-4603-A589-7422A47A8E4A}"/>
     </a:ext>
   </a:extLst>
 </a:theme>
